--- a/PPT_.pptx
+++ b/PPT_.pptx
@@ -5,32 +5,28 @@
     <p:sldMasterId id="2147483648" r:id="rId1"/>
   </p:sldMasterIdLst>
   <p:notesMasterIdLst>
-    <p:notesMasterId r:id="rId22"/>
+    <p:notesMasterId r:id="rId18"/>
   </p:notesMasterIdLst>
   <p:handoutMasterIdLst>
-    <p:handoutMasterId r:id="rId23"/>
+    <p:handoutMasterId r:id="rId19"/>
   </p:handoutMasterIdLst>
   <p:sldIdLst>
     <p:sldId id="355" r:id="rId2"/>
     <p:sldId id="356" r:id="rId3"/>
-    <p:sldId id="373" r:id="rId4"/>
-    <p:sldId id="374" r:id="rId5"/>
-    <p:sldId id="367" r:id="rId6"/>
+    <p:sldId id="374" r:id="rId4"/>
+    <p:sldId id="367" r:id="rId5"/>
+    <p:sldId id="361" r:id="rId6"/>
     <p:sldId id="359" r:id="rId7"/>
-    <p:sldId id="361" r:id="rId8"/>
-    <p:sldId id="360" r:id="rId9"/>
-    <p:sldId id="368" r:id="rId10"/>
-    <p:sldId id="372" r:id="rId11"/>
-    <p:sldId id="375" r:id="rId12"/>
-    <p:sldId id="376" r:id="rId13"/>
-    <p:sldId id="377" r:id="rId14"/>
-    <p:sldId id="378" r:id="rId15"/>
-    <p:sldId id="379" r:id="rId16"/>
-    <p:sldId id="380" r:id="rId17"/>
-    <p:sldId id="371" r:id="rId18"/>
-    <p:sldId id="365" r:id="rId19"/>
-    <p:sldId id="366" r:id="rId20"/>
-    <p:sldId id="358" r:id="rId21"/>
+    <p:sldId id="360" r:id="rId8"/>
+    <p:sldId id="368" r:id="rId9"/>
+    <p:sldId id="372" r:id="rId10"/>
+    <p:sldId id="376" r:id="rId11"/>
+    <p:sldId id="378" r:id="rId12"/>
+    <p:sldId id="380" r:id="rId13"/>
+    <p:sldId id="371" r:id="rId14"/>
+    <p:sldId id="365" r:id="rId15"/>
+    <p:sldId id="366" r:id="rId16"/>
+    <p:sldId id="358" r:id="rId17"/>
   </p:sldIdLst>
   <p:sldSz cx="12192000" cy="6858000"/>
   <p:notesSz cx="6858000" cy="9144000"/>
@@ -251,7 +247,7 @@
           <a:p>
             <a:fld id="{B0AC3275-9D44-403D-A9EB-A3A69884D368}" type="datetimeFigureOut">
               <a:rPr lang="en-US" smtClean="0"/>
-              <a:t>10/24/2023</a:t>
+              <a:t>12/6/2023</a:t>
             </a:fld>
             <a:endParaRPr lang="en-US"/>
           </a:p>
@@ -429,7 +425,7 @@
             <a:fld id="{640C79F9-0E80-4B59-BFBF-922194FB6FE7}" type="datetimeFigureOut">
               <a:rPr lang="en-US" smtClean="0"/>
               <a:pPr/>
-              <a:t>10/24/2023</a:t>
+              <a:t>12/6/2023</a:t>
             </a:fld>
             <a:endParaRPr lang="en-US"/>
           </a:p>
@@ -752,7 +748,7 @@
             <a:fld id="{AD5D2152-08A9-004F-BE32-52A9C6BDFCAD}" type="datetimeFigureOut">
               <a:rPr lang="en-US" smtClean="0"/>
               <a:pPr/>
-              <a:t>10/24/2023</a:t>
+              <a:t>12/6/2023</a:t>
             </a:fld>
             <a:endParaRPr lang="en-US"/>
           </a:p>
@@ -881,7 +877,7 @@
             <a:fld id="{AD5D2152-08A9-004F-BE32-52A9C6BDFCAD}" type="datetimeFigureOut">
               <a:rPr lang="en-US" smtClean="0"/>
               <a:pPr/>
-              <a:t>10/24/2023</a:t>
+              <a:t>12/6/2023</a:t>
             </a:fld>
             <a:endParaRPr lang="en-US"/>
           </a:p>
@@ -1044,7 +1040,7 @@
             <a:fld id="{AD5D2152-08A9-004F-BE32-52A9C6BDFCAD}" type="datetimeFigureOut">
               <a:rPr lang="en-US" smtClean="0"/>
               <a:pPr/>
-              <a:t>10/24/2023</a:t>
+              <a:t>12/6/2023</a:t>
             </a:fld>
             <a:endParaRPr lang="en-US"/>
           </a:p>
@@ -1428,7 +1424,7 @@
             <a:fld id="{AD5D2152-08A9-004F-BE32-52A9C6BDFCAD}" type="datetimeFigureOut">
               <a:rPr lang="en-US" smtClean="0"/>
               <a:pPr/>
-              <a:t>10/24/2023</a:t>
+              <a:t>12/6/2023</a:t>
             </a:fld>
             <a:endParaRPr lang="en-US"/>
           </a:p>
@@ -1551,7 +1547,7 @@
             <a:fld id="{AD5D2152-08A9-004F-BE32-52A9C6BDFCAD}" type="datetimeFigureOut">
               <a:rPr lang="en-US" smtClean="0"/>
               <a:pPr/>
-              <a:t>10/24/2023</a:t>
+              <a:t>12/6/2023</a:t>
             </a:fld>
             <a:endParaRPr lang="en-US"/>
           </a:p>
@@ -1773,7 +1769,7 @@
             <a:fld id="{AD5D2152-08A9-004F-BE32-52A9C6BDFCAD}" type="datetimeFigureOut">
               <a:rPr lang="en-US" smtClean="0"/>
               <a:pPr/>
-              <a:t>10/24/2023</a:t>
+              <a:t>12/6/2023</a:t>
             </a:fld>
             <a:endParaRPr lang="en-US"/>
           </a:p>
@@ -2205,476 +2201,6 @@
       </p:grpSpPr>
       <p:sp>
         <p:nvSpPr>
-          <p:cNvPr id="2" name="Title 1"/>
-          <p:cNvSpPr>
-            <a:spLocks noGrp="1"/>
-          </p:cNvSpPr>
-          <p:nvPr>
-            <p:ph type="title"/>
-          </p:nvPr>
-        </p:nvSpPr>
-        <p:spPr>
-          <a:xfrm>
-            <a:off x="277090" y="469371"/>
-            <a:ext cx="11568546" cy="4464938"/>
-          </a:xfrm>
-        </p:spPr>
-        <p:txBody>
-          <a:bodyPr>
-            <a:noAutofit/>
-          </a:bodyPr>
-          <a:lstStyle/>
-          <a:p>
-            <a:pPr marL="342900" marR="506730" lvl="0" indent="-342900" algn="l" fontAlgn="base">
-              <a:lnSpc>
-                <a:spcPct val="106000"/>
-              </a:lnSpc>
-              <a:spcAft>
-                <a:spcPts val="885"/>
-              </a:spcAft>
-              <a:buClr>
-                <a:srgbClr val="000000"/>
-              </a:buClr>
-              <a:buSzPts val="1000"/>
-              <a:buFont typeface="Arial" panose="020B0604020202020204" pitchFamily="34" charset="0"/>
-              <a:buChar char="•"/>
-            </a:pPr>
-            <a:r>
-              <a:rPr lang="en-IN" b="1" dirty="0"/>
-              <a:t>Experimental Setup</a:t>
-            </a:r>
-            <a:br>
-              <a:rPr lang="en-IN" b="1" dirty="0"/>
-            </a:br>
-            <a:r>
-              <a:rPr lang="en-US" sz="2000" u="none" strike="noStrike" dirty="0">
-                <a:solidFill>
-                  <a:srgbClr val="000000"/>
-                </a:solidFill>
-                <a:effectLst/>
-                <a:uFill>
-                  <a:solidFill>
-                    <a:srgbClr val="000000"/>
-                  </a:solidFill>
-                </a:uFill>
-                <a:latin typeface="Times New Roman" panose="02020603050405020304" pitchFamily="18" charset="0"/>
-                <a:ea typeface="Cambria" panose="02040503050406030204" pitchFamily="18" charset="0"/>
-                <a:cs typeface="Cambria" panose="02040503050406030204" pitchFamily="18" charset="0"/>
-              </a:rPr>
-              <a:t>Hardware Interface:</a:t>
-            </a:r>
-            <a:br>
-              <a:rPr lang="en-IN" sz="2000" u="none" strike="noStrike" dirty="0">
-                <a:solidFill>
-                  <a:srgbClr val="000000"/>
-                </a:solidFill>
-                <a:effectLst/>
-                <a:uFill>
-                  <a:solidFill>
-                    <a:srgbClr val="000000"/>
-                  </a:solidFill>
-                </a:uFill>
-                <a:latin typeface="Cambria" panose="02040503050406030204" pitchFamily="18" charset="0"/>
-                <a:ea typeface="Cambria" panose="02040503050406030204" pitchFamily="18" charset="0"/>
-                <a:cs typeface="Cambria" panose="02040503050406030204" pitchFamily="18" charset="0"/>
-              </a:rPr>
-            </a:br>
-            <a:r>
-              <a:rPr lang="en-US" sz="2000" u="none" strike="noStrike" dirty="0">
-                <a:solidFill>
-                  <a:srgbClr val="000000"/>
-                </a:solidFill>
-                <a:effectLst/>
-                <a:uFill>
-                  <a:solidFill>
-                    <a:srgbClr val="000000"/>
-                  </a:solidFill>
-                </a:uFill>
-                <a:latin typeface="Times New Roman" panose="02020603050405020304" pitchFamily="18" charset="0"/>
-                <a:ea typeface="Cambria" panose="02040503050406030204" pitchFamily="18" charset="0"/>
-                <a:cs typeface="Cambria" panose="02040503050406030204" pitchFamily="18" charset="0"/>
-              </a:rPr>
-              <a:t>64 bits processor architecture supported by windows.</a:t>
-            </a:r>
-            <a:br>
-              <a:rPr lang="en-IN" sz="2000" u="none" strike="noStrike" dirty="0">
-                <a:solidFill>
-                  <a:srgbClr val="000000"/>
-                </a:solidFill>
-                <a:effectLst/>
-                <a:uFill>
-                  <a:solidFill>
-                    <a:srgbClr val="000000"/>
-                  </a:solidFill>
-                </a:uFill>
-                <a:latin typeface="Cambria" panose="02040503050406030204" pitchFamily="18" charset="0"/>
-                <a:ea typeface="Cambria" panose="02040503050406030204" pitchFamily="18" charset="0"/>
-                <a:cs typeface="Cambria" panose="02040503050406030204" pitchFamily="18" charset="0"/>
-              </a:rPr>
-            </a:br>
-            <a:r>
-              <a:rPr lang="en-US" sz="2000" u="none" strike="noStrike" dirty="0">
-                <a:solidFill>
-                  <a:srgbClr val="000000"/>
-                </a:solidFill>
-                <a:effectLst/>
-                <a:uFill>
-                  <a:solidFill>
-                    <a:srgbClr val="000000"/>
-                  </a:solidFill>
-                </a:uFill>
-                <a:latin typeface="Times New Roman" panose="02020603050405020304" pitchFamily="18" charset="0"/>
-                <a:ea typeface="Cambria" panose="02040503050406030204" pitchFamily="18" charset="0"/>
-                <a:cs typeface="Cambria" panose="02040503050406030204" pitchFamily="18" charset="0"/>
-              </a:rPr>
-              <a:t>Minimum RAM requirement for proper functioning is 4 GB.</a:t>
-            </a:r>
-            <a:br>
-              <a:rPr lang="en-IN" sz="2000" u="none" strike="noStrike" dirty="0">
-                <a:solidFill>
-                  <a:srgbClr val="000000"/>
-                </a:solidFill>
-                <a:effectLst/>
-                <a:uFill>
-                  <a:solidFill>
-                    <a:srgbClr val="000000"/>
-                  </a:solidFill>
-                </a:uFill>
-                <a:latin typeface="Cambria" panose="02040503050406030204" pitchFamily="18" charset="0"/>
-                <a:ea typeface="Cambria" panose="02040503050406030204" pitchFamily="18" charset="0"/>
-                <a:cs typeface="Cambria" panose="02040503050406030204" pitchFamily="18" charset="0"/>
-              </a:rPr>
-            </a:br>
-            <a:r>
-              <a:rPr lang="en-US" sz="2000" u="none" strike="noStrike" dirty="0">
-                <a:solidFill>
-                  <a:srgbClr val="000000"/>
-                </a:solidFill>
-                <a:effectLst/>
-                <a:uFill>
-                  <a:solidFill>
-                    <a:srgbClr val="000000"/>
-                  </a:solidFill>
-                </a:uFill>
-                <a:latin typeface="Times New Roman" panose="02020603050405020304" pitchFamily="18" charset="0"/>
-                <a:ea typeface="Cambria" panose="02040503050406030204" pitchFamily="18" charset="0"/>
-                <a:cs typeface="Cambria" panose="02040503050406030204" pitchFamily="18" charset="0"/>
-              </a:rPr>
-              <a:t>Required input as well as output devices.</a:t>
-            </a:r>
-            <a:br>
-              <a:rPr lang="en-IN" sz="2000" u="none" strike="noStrike" dirty="0">
-                <a:solidFill>
-                  <a:srgbClr val="000000"/>
-                </a:solidFill>
-                <a:effectLst/>
-                <a:uFill>
-                  <a:solidFill>
-                    <a:srgbClr val="000000"/>
-                  </a:solidFill>
-                </a:uFill>
-                <a:latin typeface="Cambria" panose="02040503050406030204" pitchFamily="18" charset="0"/>
-                <a:ea typeface="Cambria" panose="02040503050406030204" pitchFamily="18" charset="0"/>
-                <a:cs typeface="Cambria" panose="02040503050406030204" pitchFamily="18" charset="0"/>
-              </a:rPr>
-            </a:br>
-            <a:r>
-              <a:rPr lang="en-US" sz="2000" u="none" strike="noStrike" dirty="0">
-                <a:solidFill>
-                  <a:srgbClr val="000000"/>
-                </a:solidFill>
-                <a:effectLst/>
-                <a:uFill>
-                  <a:solidFill>
-                    <a:srgbClr val="000000"/>
-                  </a:solidFill>
-                </a:uFill>
-                <a:latin typeface="Times New Roman" panose="02020603050405020304" pitchFamily="18" charset="0"/>
-                <a:ea typeface="Cambria" panose="02040503050406030204" pitchFamily="18" charset="0"/>
-                <a:cs typeface="Cambria" panose="02040503050406030204" pitchFamily="18" charset="0"/>
-              </a:rPr>
-              <a:t>Required sufficient Graphic card for image processing.</a:t>
-            </a:r>
-            <a:br>
-              <a:rPr lang="en-IN" sz="2000" u="none" strike="noStrike" dirty="0">
-                <a:solidFill>
-                  <a:srgbClr val="000000"/>
-                </a:solidFill>
-                <a:effectLst/>
-                <a:uFill>
-                  <a:solidFill>
-                    <a:srgbClr val="000000"/>
-                  </a:solidFill>
-                </a:uFill>
-                <a:latin typeface="Cambria" panose="02040503050406030204" pitchFamily="18" charset="0"/>
-                <a:ea typeface="Cambria" panose="02040503050406030204" pitchFamily="18" charset="0"/>
-                <a:cs typeface="Cambria" panose="02040503050406030204" pitchFamily="18" charset="0"/>
-              </a:rPr>
-            </a:br>
-            <a:r>
-              <a:rPr lang="en-US" sz="2000" u="none" strike="noStrike" dirty="0">
-                <a:solidFill>
-                  <a:srgbClr val="000000"/>
-                </a:solidFill>
-                <a:effectLst/>
-                <a:uFill>
-                  <a:solidFill>
-                    <a:srgbClr val="000000"/>
-                  </a:solidFill>
-                </a:uFill>
-                <a:latin typeface="Times New Roman" panose="02020603050405020304" pitchFamily="18" charset="0"/>
-                <a:ea typeface="Cambria" panose="02040503050406030204" pitchFamily="18" charset="0"/>
-                <a:cs typeface="Cambria" panose="02040503050406030204" pitchFamily="18" charset="0"/>
-              </a:rPr>
-              <a:t>Software Interface:</a:t>
-            </a:r>
-            <a:br>
-              <a:rPr lang="en-IN" sz="2000" u="none" strike="noStrike" dirty="0">
-                <a:solidFill>
-                  <a:srgbClr val="000000"/>
-                </a:solidFill>
-                <a:effectLst/>
-                <a:uFill>
-                  <a:solidFill>
-                    <a:srgbClr val="000000"/>
-                  </a:solidFill>
-                </a:uFill>
-                <a:latin typeface="Cambria" panose="02040503050406030204" pitchFamily="18" charset="0"/>
-                <a:ea typeface="Cambria" panose="02040503050406030204" pitchFamily="18" charset="0"/>
-                <a:cs typeface="Cambria" panose="02040503050406030204" pitchFamily="18" charset="0"/>
-              </a:rPr>
-            </a:br>
-            <a:r>
-              <a:rPr lang="en-US" sz="2000" u="none" strike="noStrike" dirty="0">
-                <a:solidFill>
-                  <a:srgbClr val="000000"/>
-                </a:solidFill>
-                <a:effectLst/>
-                <a:uFill>
-                  <a:solidFill>
-                    <a:srgbClr val="000000"/>
-                  </a:solidFill>
-                </a:uFill>
-                <a:latin typeface="Times New Roman" panose="02020603050405020304" pitchFamily="18" charset="0"/>
-                <a:ea typeface="Cambria" panose="02040503050406030204" pitchFamily="18" charset="0"/>
-                <a:cs typeface="Cambria" panose="02040503050406030204" pitchFamily="18" charset="0"/>
-              </a:rPr>
-              <a:t>This system is developed in OpenGL.</a:t>
-            </a:r>
-            <a:br>
-              <a:rPr lang="en-IN" sz="2000" u="none" strike="noStrike" dirty="0">
-                <a:solidFill>
-                  <a:srgbClr val="000000"/>
-                </a:solidFill>
-                <a:effectLst/>
-                <a:uFill>
-                  <a:solidFill>
-                    <a:srgbClr val="000000"/>
-                  </a:solidFill>
-                </a:uFill>
-                <a:latin typeface="Cambria" panose="02040503050406030204" pitchFamily="18" charset="0"/>
-                <a:ea typeface="Cambria" panose="02040503050406030204" pitchFamily="18" charset="0"/>
-                <a:cs typeface="Cambria" panose="02040503050406030204" pitchFamily="18" charset="0"/>
-              </a:rPr>
-            </a:br>
-            <a:r>
-              <a:rPr lang="en-US" sz="2000" u="none" strike="noStrike" dirty="0">
-                <a:solidFill>
-                  <a:srgbClr val="000000"/>
-                </a:solidFill>
-                <a:effectLst/>
-                <a:uFill>
-                  <a:solidFill>
-                    <a:srgbClr val="000000"/>
-                  </a:solidFill>
-                </a:uFill>
-                <a:latin typeface="Times New Roman" panose="02020603050405020304" pitchFamily="18" charset="0"/>
-                <a:ea typeface="Cambria" panose="02040503050406030204" pitchFamily="18" charset="0"/>
-                <a:cs typeface="Cambria" panose="02040503050406030204" pitchFamily="18" charset="0"/>
-              </a:rPr>
-              <a:t> C++ compiler.</a:t>
-            </a:r>
-            <a:br>
-              <a:rPr lang="en-IN" sz="2000" u="none" strike="noStrike" dirty="0">
-                <a:solidFill>
-                  <a:srgbClr val="000000"/>
-                </a:solidFill>
-                <a:effectLst/>
-                <a:uFill>
-                  <a:solidFill>
-                    <a:srgbClr val="000000"/>
-                  </a:solidFill>
-                </a:uFill>
-                <a:latin typeface="Cambria" panose="02040503050406030204" pitchFamily="18" charset="0"/>
-                <a:ea typeface="Cambria" panose="02040503050406030204" pitchFamily="18" charset="0"/>
-                <a:cs typeface="Cambria" panose="02040503050406030204" pitchFamily="18" charset="0"/>
-              </a:rPr>
-            </a:br>
-            <a:endParaRPr lang="en-IN" sz="2000" b="1" dirty="0">
-              <a:solidFill>
-                <a:srgbClr val="FF0000"/>
-              </a:solidFill>
-            </a:endParaRPr>
-          </a:p>
-        </p:txBody>
-      </p:sp>
-    </p:spTree>
-    <p:extLst>
-      <p:ext uri="{BB962C8B-B14F-4D97-AF65-F5344CB8AC3E}">
-        <p14:creationId xmlns:p14="http://schemas.microsoft.com/office/powerpoint/2010/main" val="3628517266"/>
-      </p:ext>
-    </p:extLst>
-  </p:cSld>
-  <p:clrMapOvr>
-    <a:masterClrMapping/>
-  </p:clrMapOvr>
-</p:sld>
-</file>
-
-<file path=ppt/slides/slide11.xml><?xml version="1.0" encoding="utf-8"?>
-<p:sld xmlns:a="http://schemas.openxmlformats.org/drawingml/2006/main" xmlns:r="http://schemas.openxmlformats.org/officeDocument/2006/relationships" xmlns:p="http://schemas.openxmlformats.org/presentationml/2006/main">
-  <p:cSld>
-    <p:spTree>
-      <p:nvGrpSpPr>
-        <p:cNvPr id="1" name=""/>
-        <p:cNvGrpSpPr/>
-        <p:nvPr/>
-      </p:nvGrpSpPr>
-      <p:grpSpPr>
-        <a:xfrm>
-          <a:off x="0" y="0"/>
-          <a:ext cx="0" cy="0"/>
-          <a:chOff x="0" y="0"/>
-          <a:chExt cx="0" cy="0"/>
-        </a:xfrm>
-      </p:grpSpPr>
-      <p:sp>
-        <p:nvSpPr>
-          <p:cNvPr id="2" name="Title 1">
-            <a:extLst>
-              <a:ext uri="{FF2B5EF4-FFF2-40B4-BE49-F238E27FC236}">
-                <a16:creationId xmlns:a16="http://schemas.microsoft.com/office/drawing/2014/main" id="{BABAA42B-9499-7536-20EB-1C18FBDB1383}"/>
-              </a:ext>
-            </a:extLst>
-          </p:cNvPr>
-          <p:cNvSpPr>
-            <a:spLocks noGrp="1"/>
-          </p:cNvSpPr>
-          <p:nvPr>
-            <p:ph type="title"/>
-          </p:nvPr>
-        </p:nvSpPr>
-        <p:spPr>
-          <a:xfrm>
-            <a:off x="0" y="1889327"/>
-            <a:ext cx="12192000" cy="564910"/>
-          </a:xfrm>
-        </p:spPr>
-        <p:txBody>
-          <a:bodyPr>
-            <a:normAutofit fontScale="90000"/>
-          </a:bodyPr>
-          <a:lstStyle/>
-          <a:p>
-            <a:r>
-              <a:rPr lang="en-IN" b="1" dirty="0"/>
-              <a:t>Class Diagram/UML/Use Case/DFD etc.,</a:t>
-            </a:r>
-            <a:endParaRPr lang="en-IN" dirty="0"/>
-          </a:p>
-        </p:txBody>
-      </p:sp>
-      <p:sp>
-        <p:nvSpPr>
-          <p:cNvPr id="6" name="TextBox 5">
-            <a:extLst>
-              <a:ext uri="{FF2B5EF4-FFF2-40B4-BE49-F238E27FC236}">
-                <a16:creationId xmlns:a16="http://schemas.microsoft.com/office/drawing/2014/main" id="{3EE5CEB1-5D4B-302A-EFAE-B0D083E52A68}"/>
-              </a:ext>
-            </a:extLst>
-          </p:cNvPr>
-          <p:cNvSpPr txBox="1"/>
-          <p:nvPr/>
-        </p:nvSpPr>
-        <p:spPr>
-          <a:xfrm>
-            <a:off x="2142243" y="3209618"/>
-            <a:ext cx="6094428" cy="1554272"/>
-          </a:xfrm>
-          <a:prstGeom prst="rect">
-            <a:avLst/>
-          </a:prstGeom>
-          <a:noFill/>
-        </p:spPr>
-        <p:txBody>
-          <a:bodyPr wrap="square">
-            <a:spAutoFit/>
-          </a:bodyPr>
-          <a:lstStyle/>
-          <a:p>
-            <a:r>
-              <a:rPr lang="en-US" dirty="0"/>
-              <a:t>•	USE-Case Diagram</a:t>
-            </a:r>
-          </a:p>
-          <a:p>
-            <a:r>
-              <a:rPr lang="en-US" dirty="0"/>
-              <a:t>•	Class Diagram</a:t>
-            </a:r>
-          </a:p>
-          <a:p>
-            <a:r>
-              <a:rPr lang="en-US" dirty="0"/>
-              <a:t>•	Activity Diagram</a:t>
-            </a:r>
-          </a:p>
-          <a:p>
-            <a:r>
-              <a:rPr lang="en-US" dirty="0"/>
-              <a:t>•	Sequence Diagram</a:t>
-            </a:r>
-          </a:p>
-          <a:p>
-            <a:r>
-              <a:rPr lang="en-US" dirty="0"/>
-              <a:t>•	Data Flow Diagram</a:t>
-            </a:r>
-          </a:p>
-        </p:txBody>
-      </p:sp>
-    </p:spTree>
-    <p:extLst>
-      <p:ext uri="{BB962C8B-B14F-4D97-AF65-F5344CB8AC3E}">
-        <p14:creationId xmlns:p14="http://schemas.microsoft.com/office/powerpoint/2010/main" val="2490420756"/>
-      </p:ext>
-    </p:extLst>
-  </p:cSld>
-  <p:clrMapOvr>
-    <a:masterClrMapping/>
-  </p:clrMapOvr>
-</p:sld>
-</file>
-
-<file path=ppt/slides/slide12.xml><?xml version="1.0" encoding="utf-8"?>
-<p:sld xmlns:a="http://schemas.openxmlformats.org/drawingml/2006/main" xmlns:r="http://schemas.openxmlformats.org/officeDocument/2006/relationships" xmlns:p="http://schemas.openxmlformats.org/presentationml/2006/main">
-  <p:cSld>
-    <p:spTree>
-      <p:nvGrpSpPr>
-        <p:cNvPr id="1" name=""/>
-        <p:cNvGrpSpPr/>
-        <p:nvPr/>
-      </p:nvGrpSpPr>
-      <p:grpSpPr>
-        <a:xfrm>
-          <a:off x="0" y="0"/>
-          <a:ext cx="0" cy="0"/>
-          <a:chOff x="0" y="0"/>
-          <a:chExt cx="0" cy="0"/>
-        </a:xfrm>
-      </p:grpSpPr>
-      <p:sp>
-        <p:nvSpPr>
           <p:cNvPr id="2" name="Title 1">
             <a:extLst>
               <a:ext uri="{FF2B5EF4-FFF2-40B4-BE49-F238E27FC236}">
@@ -2691,8 +2217,8 @@
         </p:nvSpPr>
         <p:spPr>
           <a:xfrm>
-            <a:off x="-131975" y="569574"/>
-            <a:ext cx="12192000" cy="564910"/>
+            <a:off x="2384980" y="663842"/>
+            <a:ext cx="2073897" cy="564910"/>
           </a:xfrm>
         </p:spPr>
         <p:txBody>
@@ -2731,7 +2257,7 @@
         </p:blipFill>
         <p:spPr>
           <a:xfrm>
-            <a:off x="3755795" y="1477022"/>
+            <a:off x="1095015" y="1323020"/>
             <a:ext cx="4114800" cy="5242560"/>
           </a:xfrm>
           <a:prstGeom prst="rect">
@@ -2739,78 +2265,12 @@
           </a:prstGeom>
         </p:spPr>
       </p:pic>
-    </p:spTree>
-    <p:extLst>
-      <p:ext uri="{BB962C8B-B14F-4D97-AF65-F5344CB8AC3E}">
-        <p14:creationId xmlns:p14="http://schemas.microsoft.com/office/powerpoint/2010/main" val="2384489506"/>
-      </p:ext>
-    </p:extLst>
-  </p:cSld>
-  <p:clrMapOvr>
-    <a:masterClrMapping/>
-  </p:clrMapOvr>
-</p:sld>
-</file>
-
-<file path=ppt/slides/slide13.xml><?xml version="1.0" encoding="utf-8"?>
-<p:sld xmlns:a="http://schemas.openxmlformats.org/drawingml/2006/main" xmlns:r="http://schemas.openxmlformats.org/officeDocument/2006/relationships" xmlns:p="http://schemas.openxmlformats.org/presentationml/2006/main">
-  <p:cSld>
-    <p:spTree>
-      <p:nvGrpSpPr>
-        <p:cNvPr id="1" name=""/>
-        <p:cNvGrpSpPr/>
-        <p:nvPr/>
-      </p:nvGrpSpPr>
-      <p:grpSpPr>
-        <a:xfrm>
-          <a:off x="0" y="0"/>
-          <a:ext cx="0" cy="0"/>
-          <a:chOff x="0" y="0"/>
-          <a:chExt cx="0" cy="0"/>
-        </a:xfrm>
-      </p:grpSpPr>
-      <p:sp>
-        <p:nvSpPr>
-          <p:cNvPr id="2" name="Title 1">
+      <p:pic>
+        <p:nvPicPr>
+          <p:cNvPr id="4" name="Picture 3">
             <a:extLst>
               <a:ext uri="{FF2B5EF4-FFF2-40B4-BE49-F238E27FC236}">
-                <a16:creationId xmlns:a16="http://schemas.microsoft.com/office/drawing/2014/main" id="{D8E7D901-240F-E799-D611-66D2BE1AFEAC}"/>
-              </a:ext>
-            </a:extLst>
-          </p:cNvPr>
-          <p:cNvSpPr>
-            <a:spLocks noGrp="1"/>
-          </p:cNvSpPr>
-          <p:nvPr>
-            <p:ph type="title"/>
-          </p:nvPr>
-        </p:nvSpPr>
-        <p:spPr>
-          <a:xfrm>
-            <a:off x="0" y="729831"/>
-            <a:ext cx="12192000" cy="564910"/>
-          </a:xfrm>
-        </p:spPr>
-        <p:txBody>
-          <a:bodyPr>
-            <a:normAutofit fontScale="90000"/>
-          </a:bodyPr>
-          <a:lstStyle/>
-          <a:p>
-            <a:r>
-              <a:rPr lang="en-US" dirty="0"/>
-              <a:t>Class Diagram</a:t>
-            </a:r>
-            <a:endParaRPr lang="en-IN" dirty="0"/>
-          </a:p>
-        </p:txBody>
-      </p:sp>
-      <p:pic>
-        <p:nvPicPr>
-          <p:cNvPr id="3" name="Picture 2">
-            <a:extLst>
-              <a:ext uri="{FF2B5EF4-FFF2-40B4-BE49-F238E27FC236}">
-                <a16:creationId xmlns:a16="http://schemas.microsoft.com/office/drawing/2014/main" id="{572C5A4E-30EB-F8F9-94B8-6950E5BB9FA9}"/>
+                <a16:creationId xmlns:a16="http://schemas.microsoft.com/office/drawing/2014/main" id="{9AD96CDA-8EE1-09D7-6D52-D4CE14D5ACE2}"/>
               </a:ext>
             </a:extLst>
           </p:cNvPr>
@@ -2820,13 +2280,13 @@
           <p:nvPr/>
         </p:nvPicPr>
         <p:blipFill rotWithShape="1">
-          <a:blip r:embed="rId2"/>
+          <a:blip r:embed="rId3"/>
           <a:srcRect r="20142"/>
           <a:stretch/>
         </p:blipFill>
         <p:spPr bwMode="auto">
           <a:xfrm>
-            <a:off x="4411469" y="1492704"/>
+            <a:off x="7290850" y="1323020"/>
             <a:ext cx="3525900" cy="5098415"/>
           </a:xfrm>
           <a:prstGeom prst="rect">
@@ -2842,10 +2302,65 @@
           </a:extLst>
         </p:spPr>
       </p:pic>
+      <p:sp>
+        <p:nvSpPr>
+          <p:cNvPr id="7" name="Title 1">
+            <a:extLst>
+              <a:ext uri="{FF2B5EF4-FFF2-40B4-BE49-F238E27FC236}">
+                <a16:creationId xmlns:a16="http://schemas.microsoft.com/office/drawing/2014/main" id="{6E5E34AE-E97B-32D3-FF29-1AE3939522E6}"/>
+              </a:ext>
+            </a:extLst>
+          </p:cNvPr>
+          <p:cNvSpPr txBox="1">
+            <a:spLocks/>
+          </p:cNvSpPr>
+          <p:nvPr/>
+        </p:nvSpPr>
+        <p:spPr>
+          <a:xfrm>
+            <a:off x="7863343" y="758110"/>
+            <a:ext cx="2380914" cy="564910"/>
+          </a:xfrm>
+          <a:prstGeom prst="rect">
+            <a:avLst/>
+          </a:prstGeom>
+        </p:spPr>
+        <p:txBody>
+          <a:bodyPr vert="horz" lIns="91438" tIns="45719" rIns="91438" bIns="45719" rtlCol="0" anchor="ctr">
+            <a:normAutofit fontScale="82500" lnSpcReduction="10000"/>
+          </a:bodyPr>
+          <a:lstStyle>
+            <a:lvl1pPr algn="ctr" defTabSz="457189" rtl="0" eaLnBrk="1" latinLnBrk="0" hangingPunct="1">
+              <a:spcBef>
+                <a:spcPct val="0"/>
+              </a:spcBef>
+              <a:buNone/>
+              <a:defRPr sz="3600" b="0" kern="1200">
+                <a:solidFill>
+                  <a:schemeClr val="tx1">
+                    <a:lumMod val="65000"/>
+                    <a:lumOff val="35000"/>
+                  </a:schemeClr>
+                </a:solidFill>
+                <a:latin typeface="+mn-lt"/>
+                <a:ea typeface="+mj-ea"/>
+                <a:cs typeface="+mj-cs"/>
+              </a:defRPr>
+            </a:lvl1pPr>
+          </a:lstStyle>
+          <a:p>
+            <a:r>
+              <a:rPr lang="en-US" dirty="0"/>
+              <a:t>Class Diagram</a:t>
+            </a:r>
+            <a:endParaRPr lang="en-IN" dirty="0"/>
+          </a:p>
+        </p:txBody>
+      </p:sp>
     </p:spTree>
     <p:extLst>
       <p:ext uri="{BB962C8B-B14F-4D97-AF65-F5344CB8AC3E}">
-        <p14:creationId xmlns:p14="http://schemas.microsoft.com/office/powerpoint/2010/main" val="1778785656"/>
+        <p14:creationId xmlns:p14="http://schemas.microsoft.com/office/powerpoint/2010/main" val="2384489506"/>
       </p:ext>
     </p:extLst>
   </p:cSld>
@@ -2855,7 +2370,7 @@
 </p:sld>
 </file>
 
-<file path=ppt/slides/slide14.xml><?xml version="1.0" encoding="utf-8"?>
+<file path=ppt/slides/slide11.xml><?xml version="1.0" encoding="utf-8"?>
 <p:sld xmlns:a="http://schemas.openxmlformats.org/drawingml/2006/main" xmlns:r="http://schemas.openxmlformats.org/officeDocument/2006/relationships" xmlns:p="http://schemas.openxmlformats.org/presentationml/2006/main">
   <p:cSld>
     <p:spTree>
@@ -2890,8 +2405,8 @@
         </p:nvSpPr>
         <p:spPr>
           <a:xfrm>
-            <a:off x="0" y="824098"/>
-            <a:ext cx="12192000" cy="564910"/>
+            <a:off x="1265643" y="746739"/>
+            <a:ext cx="3291191" cy="564910"/>
           </a:xfrm>
         </p:spPr>
         <p:txBody>
@@ -2930,8 +2445,93 @@
         </p:blipFill>
         <p:spPr>
           <a:xfrm>
-            <a:off x="4382639" y="1389008"/>
+            <a:off x="1047957" y="1311649"/>
             <a:ext cx="3426722" cy="5319531"/>
+          </a:xfrm>
+          <a:prstGeom prst="rect">
+            <a:avLst/>
+          </a:prstGeom>
+        </p:spPr>
+      </p:pic>
+      <p:sp>
+        <p:nvSpPr>
+          <p:cNvPr id="4" name="Title 1">
+            <a:extLst>
+              <a:ext uri="{FF2B5EF4-FFF2-40B4-BE49-F238E27FC236}">
+                <a16:creationId xmlns:a16="http://schemas.microsoft.com/office/drawing/2014/main" id="{385344F3-18DF-957A-7248-F1ECED11592A}"/>
+              </a:ext>
+            </a:extLst>
+          </p:cNvPr>
+          <p:cNvSpPr txBox="1">
+            <a:spLocks/>
+          </p:cNvSpPr>
+          <p:nvPr/>
+        </p:nvSpPr>
+        <p:spPr>
+          <a:xfrm>
+            <a:off x="8286161" y="746739"/>
+            <a:ext cx="3604348" cy="564910"/>
+          </a:xfrm>
+          <a:prstGeom prst="rect">
+            <a:avLst/>
+          </a:prstGeom>
+        </p:spPr>
+        <p:txBody>
+          <a:bodyPr vert="horz" lIns="91438" tIns="45719" rIns="91438" bIns="45719" rtlCol="0" anchor="ctr">
+            <a:normAutofit fontScale="90000" lnSpcReduction="10000"/>
+          </a:bodyPr>
+          <a:lstStyle>
+            <a:lvl1pPr algn="ctr" defTabSz="457189" rtl="0" eaLnBrk="1" latinLnBrk="0" hangingPunct="1">
+              <a:spcBef>
+                <a:spcPct val="0"/>
+              </a:spcBef>
+              <a:buNone/>
+              <a:defRPr sz="3600" b="0" kern="1200">
+                <a:solidFill>
+                  <a:schemeClr val="tx1">
+                    <a:lumMod val="65000"/>
+                    <a:lumOff val="35000"/>
+                  </a:schemeClr>
+                </a:solidFill>
+                <a:latin typeface="+mn-lt"/>
+                <a:ea typeface="+mj-ea"/>
+                <a:cs typeface="+mj-cs"/>
+              </a:defRPr>
+            </a:lvl1pPr>
+          </a:lstStyle>
+          <a:p>
+            <a:r>
+              <a:rPr lang="en-US" dirty="0"/>
+              <a:t>Sequence Diagram</a:t>
+            </a:r>
+            <a:endParaRPr lang="en-IN" dirty="0"/>
+          </a:p>
+        </p:txBody>
+      </p:sp>
+      <p:pic>
+        <p:nvPicPr>
+          <p:cNvPr id="5" name="Picture 4">
+            <a:extLst>
+              <a:ext uri="{FF2B5EF4-FFF2-40B4-BE49-F238E27FC236}">
+                <a16:creationId xmlns:a16="http://schemas.microsoft.com/office/drawing/2014/main" id="{2E114766-4E7E-F363-22F5-C213A96D06B3}"/>
+              </a:ext>
+            </a:extLst>
+          </p:cNvPr>
+          <p:cNvPicPr>
+            <a:picLocks noChangeAspect="1"/>
+          </p:cNvPicPr>
+          <p:nvPr/>
+        </p:nvPicPr>
+        <p:blipFill>
+          <a:blip r:embed="rId3"/>
+          <a:stretch>
+            <a:fillRect/>
+          </a:stretch>
+        </p:blipFill>
+        <p:spPr>
+          <a:xfrm>
+            <a:off x="7930181" y="1441680"/>
+            <a:ext cx="3825044" cy="5442773"/>
           </a:xfrm>
           <a:prstGeom prst="rect">
             <a:avLst/>
@@ -2951,103 +2551,7 @@
 </p:sld>
 </file>
 
-<file path=ppt/slides/slide15.xml><?xml version="1.0" encoding="utf-8"?>
-<p:sld xmlns:a="http://schemas.openxmlformats.org/drawingml/2006/main" xmlns:r="http://schemas.openxmlformats.org/officeDocument/2006/relationships" xmlns:p="http://schemas.openxmlformats.org/presentationml/2006/main">
-  <p:cSld>
-    <p:spTree>
-      <p:nvGrpSpPr>
-        <p:cNvPr id="1" name=""/>
-        <p:cNvGrpSpPr/>
-        <p:nvPr/>
-      </p:nvGrpSpPr>
-      <p:grpSpPr>
-        <a:xfrm>
-          <a:off x="0" y="0"/>
-          <a:ext cx="0" cy="0"/>
-          <a:chOff x="0" y="0"/>
-          <a:chExt cx="0" cy="0"/>
-        </a:xfrm>
-      </p:grpSpPr>
-      <p:sp>
-        <p:nvSpPr>
-          <p:cNvPr id="2" name="Title 1">
-            <a:extLst>
-              <a:ext uri="{FF2B5EF4-FFF2-40B4-BE49-F238E27FC236}">
-                <a16:creationId xmlns:a16="http://schemas.microsoft.com/office/drawing/2014/main" id="{5CA4BE08-7F7F-EB7B-FB70-89F4BB83AD0F}"/>
-              </a:ext>
-            </a:extLst>
-          </p:cNvPr>
-          <p:cNvSpPr>
-            <a:spLocks noGrp="1"/>
-          </p:cNvSpPr>
-          <p:nvPr>
-            <p:ph type="title"/>
-          </p:nvPr>
-        </p:nvSpPr>
-        <p:spPr>
-          <a:xfrm>
-            <a:off x="0" y="616708"/>
-            <a:ext cx="12192000" cy="564910"/>
-          </a:xfrm>
-        </p:spPr>
-        <p:txBody>
-          <a:bodyPr>
-            <a:normAutofit fontScale="90000"/>
-          </a:bodyPr>
-          <a:lstStyle/>
-          <a:p>
-            <a:r>
-              <a:rPr lang="en-US" dirty="0"/>
-              <a:t>Sequence Diagram</a:t>
-            </a:r>
-            <a:endParaRPr lang="en-IN" dirty="0"/>
-          </a:p>
-        </p:txBody>
-      </p:sp>
-      <p:pic>
-        <p:nvPicPr>
-          <p:cNvPr id="3" name="Picture 2">
-            <a:extLst>
-              <a:ext uri="{FF2B5EF4-FFF2-40B4-BE49-F238E27FC236}">
-                <a16:creationId xmlns:a16="http://schemas.microsoft.com/office/drawing/2014/main" id="{8AD423ED-6431-91D2-6DC3-A41C4F4A6574}"/>
-              </a:ext>
-            </a:extLst>
-          </p:cNvPr>
-          <p:cNvPicPr>
-            <a:picLocks noChangeAspect="1"/>
-          </p:cNvPicPr>
-          <p:nvPr/>
-        </p:nvPicPr>
-        <p:blipFill>
-          <a:blip r:embed="rId2"/>
-          <a:stretch>
-            <a:fillRect/>
-          </a:stretch>
-        </p:blipFill>
-        <p:spPr>
-          <a:xfrm>
-            <a:off x="4112325" y="1311649"/>
-            <a:ext cx="3825044" cy="5442773"/>
-          </a:xfrm>
-          <a:prstGeom prst="rect">
-            <a:avLst/>
-          </a:prstGeom>
-        </p:spPr>
-      </p:pic>
-    </p:spTree>
-    <p:extLst>
-      <p:ext uri="{BB962C8B-B14F-4D97-AF65-F5344CB8AC3E}">
-        <p14:creationId xmlns:p14="http://schemas.microsoft.com/office/powerpoint/2010/main" val="2778154399"/>
-      </p:ext>
-    </p:extLst>
-  </p:cSld>
-  <p:clrMapOvr>
-    <a:masterClrMapping/>
-  </p:clrMapOvr>
-</p:sld>
-</file>
-
-<file path=ppt/slides/slide16.xml><?xml version="1.0" encoding="utf-8"?>
+<file path=ppt/slides/slide12.xml><?xml version="1.0" encoding="utf-8"?>
 <p:sld xmlns:a="http://schemas.openxmlformats.org/drawingml/2006/main" xmlns:r="http://schemas.openxmlformats.org/officeDocument/2006/relationships" xmlns:p="http://schemas.openxmlformats.org/presentationml/2006/main">
   <p:cSld>
     <p:spTree>
@@ -3150,7 +2654,7 @@
 </p:sld>
 </file>
 
-<file path=ppt/slides/slide17.xml><?xml version="1.0" encoding="utf-8"?>
+<file path=ppt/slides/slide13.xml><?xml version="1.0" encoding="utf-8"?>
 <p:sld xmlns:a="http://schemas.openxmlformats.org/drawingml/2006/main" xmlns:r="http://schemas.openxmlformats.org/officeDocument/2006/relationships" xmlns:p="http://schemas.openxmlformats.org/presentationml/2006/main">
   <p:cSld>
     <p:spTree>
@@ -3190,12 +2694,16 @@
           <a:lstStyle/>
           <a:p>
             <a:r>
-              <a:rPr lang="en-US" b="1" dirty="0"/>
+              <a:rPr lang="en-US" b="1" dirty="0">
+                <a:solidFill>
+                  <a:schemeClr val="tx1"/>
+                </a:solidFill>
+              </a:rPr>
               <a:t>Algorithmic approach / Learnings</a:t>
             </a:r>
             <a:endParaRPr lang="en-IN" b="1" dirty="0">
               <a:solidFill>
-                <a:srgbClr val="FF0000"/>
+                <a:schemeClr val="tx1"/>
               </a:solidFill>
             </a:endParaRPr>
           </a:p>
@@ -3215,8 +2723,8 @@
         </p:nvSpPr>
         <p:spPr>
           <a:xfrm>
-            <a:off x="769142" y="1062766"/>
-            <a:ext cx="11001080" cy="5324535"/>
+            <a:off x="769142" y="1345569"/>
+            <a:ext cx="11001080" cy="4278094"/>
           </a:xfrm>
           <a:prstGeom prst="rect">
             <a:avLst/>
@@ -3229,89 +2737,224 @@
           </a:bodyPr>
           <a:lstStyle/>
           <a:p>
-            <a:r>
-              <a:rPr lang="en-US" sz="2000" dirty="0"/>
-              <a:t>Load the periodic table data, including element symbols, names, and atomic numbers.</a:t>
-            </a:r>
-          </a:p>
-          <a:p>
-            <a:r>
-              <a:rPr lang="en-US" sz="2000" dirty="0"/>
-              <a:t>Create the game environment using OpenGL, including graphics and user interface components.</a:t>
-            </a:r>
-          </a:p>
-          <a:p>
-            <a:r>
-              <a:rPr lang="en-US" sz="2000" dirty="0"/>
-              <a:t>Game Logic:</a:t>
-            </a:r>
-          </a:p>
-          <a:p>
-            <a:r>
-              <a:rPr lang="en-US" sz="2000" dirty="0"/>
-              <a:t>1- Generate a random sequence of elements from the periodic table.</a:t>
-            </a:r>
-          </a:p>
-          <a:p>
-            <a:r>
-              <a:rPr lang="en-US" sz="2000" dirty="0"/>
-              <a:t>2- Display the elements to the user in a shuffled order.</a:t>
-            </a:r>
-          </a:p>
-          <a:p>
-            <a:r>
-              <a:rPr lang="en-US" sz="2000" dirty="0"/>
-              <a:t>Scoring System:</a:t>
-            </a:r>
-          </a:p>
-          <a:p>
-            <a:r>
-              <a:rPr lang="en-US" sz="2000" dirty="0"/>
-              <a:t>1- Implement a scoring system that rewards users based on the correctness and efficiency of their element selection.</a:t>
-            </a:r>
-          </a:p>
-          <a:p>
-            <a:r>
-              <a:rPr lang="en-US" sz="2000" dirty="0"/>
-              <a:t>2- Calculate scores for each game session and provide feedback to the user.</a:t>
-            </a:r>
-          </a:p>
-          <a:p>
-            <a:r>
-              <a:rPr lang="en-US" sz="2000" dirty="0"/>
-              <a:t>User Interface:</a:t>
-            </a:r>
-          </a:p>
-          <a:p>
-            <a:r>
-              <a:rPr lang="en-US" sz="2000" dirty="0"/>
-              <a:t>1- Design an intuitive and visually appealing user interface that includes the periodic table grid, selectable elements, and score display.</a:t>
-            </a:r>
-          </a:p>
-          <a:p>
-            <a:r>
-              <a:rPr lang="en-US" sz="2000" dirty="0"/>
-              <a:t>2- Implement user-friendly features like tooltips for element information.</a:t>
-            </a:r>
-          </a:p>
-          <a:p>
-            <a:r>
-              <a:rPr lang="en-US" sz="2000" dirty="0"/>
-              <a:t>Data Structures:</a:t>
-            </a:r>
-          </a:p>
-          <a:p>
-            <a:r>
-              <a:rPr lang="en-US" sz="2000" dirty="0"/>
-              <a:t>1-Utilize data structures such as arrays or linked lists to efficiently manage and organize the periodic table data. For periodic table we are going for linked list which is way better.</a:t>
-            </a:r>
-          </a:p>
-          <a:p>
-            <a:r>
-              <a:rPr lang="en-US" sz="2000" dirty="0"/>
-              <a:t>2-Ensuring that data structures are optimized for fast element lookup and positioning.</a:t>
-            </a:r>
-            <a:endParaRPr lang="en-IN" sz="2000" dirty="0"/>
+            <a:pPr marL="285750" indent="-285750">
+              <a:buFont typeface="Arial" panose="020B0604020202020204" pitchFamily="34" charset="0"/>
+              <a:buChar char="•"/>
+            </a:pPr>
+            <a:r>
+              <a:rPr lang="en-US" sz="1800" dirty="0"/>
+              <a:t>Data Loading and Element Initialization:</a:t>
+            </a:r>
+          </a:p>
+          <a:p>
+            <a:pPr marL="742939" lvl="1" indent="-285750">
+              <a:buFont typeface="Arial" panose="020B0604020202020204" pitchFamily="34" charset="0"/>
+              <a:buChar char="•"/>
+            </a:pPr>
+            <a:r>
+              <a:rPr lang="en-US" sz="1400" dirty="0"/>
+              <a:t>Read element data from the "datasets.txt" file.</a:t>
+            </a:r>
+          </a:p>
+          <a:p>
+            <a:pPr marL="742939" lvl="1" indent="-285750">
+              <a:buFont typeface="Arial" panose="020B0604020202020204" pitchFamily="34" charset="0"/>
+              <a:buChar char="•"/>
+            </a:pPr>
+            <a:r>
+              <a:rPr lang="en-US" sz="1400" dirty="0"/>
+              <a:t>Create instances of the Element class for each element, storing properties such as atomic number, name, symbol, color, and range.</a:t>
+            </a:r>
+          </a:p>
+          <a:p>
+            <a:pPr marL="742939" lvl="1" indent="-285750">
+              <a:buFont typeface="Arial" panose="020B0604020202020204" pitchFamily="34" charset="0"/>
+              <a:buChar char="•"/>
+            </a:pPr>
+            <a:r>
+              <a:rPr lang="en-US" sz="1400" dirty="0"/>
+              <a:t>Build a map (</a:t>
+            </a:r>
+            <a:r>
+              <a:rPr lang="en-US" sz="1400" dirty="0" err="1"/>
+              <a:t>elementMap</a:t>
+            </a:r>
+            <a:r>
+              <a:rPr lang="en-US" sz="1400" dirty="0"/>
+              <a:t>) for quick retrieval of element symbols by their atomic numbers.</a:t>
+            </a:r>
+          </a:p>
+          <a:p>
+            <a:pPr marL="285750" indent="-285750">
+              <a:buFont typeface="Arial" panose="020B0604020202020204" pitchFamily="34" charset="0"/>
+              <a:buChar char="•"/>
+            </a:pPr>
+            <a:r>
+              <a:rPr lang="en-US" sz="1800" dirty="0"/>
+              <a:t>Random Number Generation:</a:t>
+            </a:r>
+          </a:p>
+          <a:p>
+            <a:pPr marL="742939" lvl="1" indent="-285750">
+              <a:buFont typeface="Arial" panose="020B0604020202020204" pitchFamily="34" charset="0"/>
+              <a:buChar char="•"/>
+            </a:pPr>
+            <a:r>
+              <a:rPr lang="en-US" sz="1400" dirty="0"/>
+              <a:t>Generate a set of unique random numbers for positioning grids and selecting elements.</a:t>
+            </a:r>
+          </a:p>
+          <a:p>
+            <a:pPr marL="742939" lvl="1" indent="-285750">
+              <a:buFont typeface="Arial" panose="020B0604020202020204" pitchFamily="34" charset="0"/>
+              <a:buChar char="•"/>
+            </a:pPr>
+            <a:r>
+              <a:rPr lang="en-US" sz="1400" dirty="0"/>
+              <a:t>Ensure that the generated numbers include at least 5 consecutive numbers for initial display.</a:t>
+            </a:r>
+          </a:p>
+          <a:p>
+            <a:pPr marL="285750" indent="-285750">
+              <a:buFont typeface="Arial" panose="020B0604020202020204" pitchFamily="34" charset="0"/>
+              <a:buChar char="•"/>
+            </a:pPr>
+            <a:r>
+              <a:rPr lang="en-US" sz="1800" dirty="0"/>
+              <a:t>Game Interface Rendering (</a:t>
+            </a:r>
+            <a:r>
+              <a:rPr lang="en-US" sz="1800" dirty="0" err="1"/>
+              <a:t>drawGrid</a:t>
+            </a:r>
+            <a:r>
+              <a:rPr lang="en-US" sz="1800" dirty="0"/>
+              <a:t>):</a:t>
+            </a:r>
+          </a:p>
+          <a:p>
+            <a:pPr marL="742939" lvl="1" indent="-285750">
+              <a:buFont typeface="Arial" panose="020B0604020202020204" pitchFamily="34" charset="0"/>
+              <a:buChar char="•"/>
+            </a:pPr>
+            <a:r>
+              <a:rPr lang="en-US" sz="1400" dirty="0"/>
+              <a:t>Use OpenGL to draw the game grid and cells.</a:t>
+            </a:r>
+          </a:p>
+          <a:p>
+            <a:pPr marL="742939" lvl="1" indent="-285750">
+              <a:buFont typeface="Arial" panose="020B0604020202020204" pitchFamily="34" charset="0"/>
+              <a:buChar char="•"/>
+            </a:pPr>
+            <a:r>
+              <a:rPr lang="en-US" sz="1400" dirty="0"/>
+              <a:t>Display elements in a shuffled order within the grid.</a:t>
+            </a:r>
+          </a:p>
+          <a:p>
+            <a:pPr marL="742939" lvl="1" indent="-285750">
+              <a:buFont typeface="Arial" panose="020B0604020202020204" pitchFamily="34" charset="0"/>
+              <a:buChar char="•"/>
+            </a:pPr>
+            <a:r>
+              <a:rPr lang="en-US" sz="1400" dirty="0"/>
+              <a:t>Highlight the selected cell with a different color for user interaction.</a:t>
+            </a:r>
+          </a:p>
+          <a:p>
+            <a:pPr marL="285750" indent="-285750">
+              <a:buFont typeface="Arial" panose="020B0604020202020204" pitchFamily="34" charset="0"/>
+              <a:buChar char="•"/>
+            </a:pPr>
+            <a:r>
+              <a:rPr lang="en-US" sz="1800" dirty="0"/>
+              <a:t>Mouse Input Handling (</a:t>
+            </a:r>
+            <a:r>
+              <a:rPr lang="en-US" sz="1800" dirty="0" err="1"/>
+              <a:t>onMouseClick</a:t>
+            </a:r>
+            <a:r>
+              <a:rPr lang="en-US" sz="1800" dirty="0"/>
+              <a:t>):</a:t>
+            </a:r>
+          </a:p>
+          <a:p>
+            <a:pPr marL="742939" lvl="1" indent="-285750">
+              <a:buFont typeface="Arial" panose="020B0604020202020204" pitchFamily="34" charset="0"/>
+              <a:buChar char="•"/>
+            </a:pPr>
+            <a:r>
+              <a:rPr lang="en-US" sz="1400" dirty="0"/>
+              <a:t>Capture mouse clicks to determine selected rows and columns within the grid.</a:t>
+            </a:r>
+          </a:p>
+          <a:p>
+            <a:pPr marL="742939" lvl="1" indent="-285750">
+              <a:buFont typeface="Arial" panose="020B0604020202020204" pitchFamily="34" charset="0"/>
+              <a:buChar char="•"/>
+            </a:pPr>
+            <a:r>
+              <a:rPr lang="en-US" sz="1400" dirty="0"/>
+              <a:t>Store selected cells in the </a:t>
+            </a:r>
+            <a:r>
+              <a:rPr lang="en-US" sz="1400" dirty="0" err="1"/>
+              <a:t>selectedCells</a:t>
+            </a:r>
+            <a:r>
+              <a:rPr lang="en-US" sz="1400" dirty="0"/>
+              <a:t> vector for further processing.</a:t>
+            </a:r>
+          </a:p>
+          <a:p>
+            <a:pPr marL="285750" indent="-285750">
+              <a:buFont typeface="Arial" panose="020B0604020202020204" pitchFamily="34" charset="0"/>
+              <a:buChar char="•"/>
+            </a:pPr>
+            <a:r>
+              <a:rPr lang="en-US" sz="1800" dirty="0"/>
+              <a:t>Scoring and Consecutiveness Check:</a:t>
+            </a:r>
+          </a:p>
+          <a:p>
+            <a:pPr marL="742939" lvl="1" indent="-285750">
+              <a:buFont typeface="Arial" panose="020B0604020202020204" pitchFamily="34" charset="0"/>
+              <a:buChar char="•"/>
+            </a:pPr>
+            <a:r>
+              <a:rPr lang="en-US" sz="1400" dirty="0"/>
+              <a:t>Track selected elements and their corresponding indexes.</a:t>
+            </a:r>
+          </a:p>
+          <a:p>
+            <a:pPr marL="742939" lvl="1" indent="-285750">
+              <a:buFont typeface="Arial" panose="020B0604020202020204" pitchFamily="34" charset="0"/>
+              <a:buChar char="•"/>
+            </a:pPr>
+            <a:r>
+              <a:rPr lang="en-US" sz="1400" dirty="0"/>
+              <a:t>Evaluate consecutiveness based on the indexes and update the counting variable accordingly.</a:t>
+            </a:r>
+          </a:p>
+          <a:p>
+            <a:pPr marL="742939" lvl="1" indent="-285750">
+              <a:buFont typeface="Arial" panose="020B0604020202020204" pitchFamily="34" charset="0"/>
+              <a:buChar char="•"/>
+            </a:pPr>
+            <a:r>
+              <a:rPr lang="en-US" sz="1400" dirty="0"/>
+              <a:t>Display the final score and a black screen at the end of the game using </a:t>
+            </a:r>
+            <a:r>
+              <a:rPr lang="en-US" sz="1400" dirty="0" err="1"/>
+              <a:t>drawBlackScreen</a:t>
+            </a:r>
+            <a:r>
+              <a:rPr lang="en-US" sz="1400" dirty="0"/>
+              <a:t>.</a:t>
+            </a:r>
           </a:p>
         </p:txBody>
       </p:sp>
@@ -3328,7 +2971,7 @@
 </p:sld>
 </file>
 
-<file path=ppt/slides/slide18.xml><?xml version="1.0" encoding="utf-8"?>
+<file path=ppt/slides/slide14.xml><?xml version="1.0" encoding="utf-8"?>
 <p:sld xmlns:a="http://schemas.openxmlformats.org/drawingml/2006/main" xmlns:r="http://schemas.openxmlformats.org/officeDocument/2006/relationships" xmlns:p="http://schemas.openxmlformats.org/presentationml/2006/main">
   <p:cSld>
     <p:spTree>
@@ -3357,8 +3000,8 @@
         </p:nvSpPr>
         <p:spPr>
           <a:xfrm>
-            <a:off x="-358219" y="320513"/>
-            <a:ext cx="12342829" cy="1168924"/>
+            <a:off x="-358219" y="461915"/>
+            <a:ext cx="12342829" cy="711132"/>
           </a:xfrm>
         </p:spPr>
         <p:txBody>
@@ -3367,7 +3010,7 @@
           </a:bodyPr>
           <a:lstStyle/>
           <a:p>
-            <a:pPr marL="643255" indent="-6350" algn="l">
+            <a:pPr marL="643255" indent="-6350">
               <a:lnSpc>
                 <a:spcPct val="106000"/>
               </a:lnSpc>
@@ -3376,13 +3019,25 @@
               </a:spcAft>
             </a:pPr>
             <a:r>
-              <a:rPr lang="en-IN" b="1" dirty="0"/>
-              <a:t>PERT/GANT/TIMELINE Chart</a:t>
+              <a:rPr lang="en-IN" b="1" dirty="0">
+                <a:solidFill>
+                  <a:schemeClr val="tx1"/>
+                </a:solidFill>
+              </a:rPr>
+              <a:t>PERT Chart</a:t>
             </a:r>
             <a:br>
-              <a:rPr lang="en-IN" b="1" dirty="0"/>
+              <a:rPr lang="en-IN" b="1" dirty="0">
+                <a:solidFill>
+                  <a:schemeClr val="tx1"/>
+                </a:solidFill>
+              </a:rPr>
             </a:br>
-            <a:endParaRPr lang="en-IN" b="1" dirty="0"/>
+            <a:endParaRPr lang="en-IN" b="1" dirty="0">
+              <a:solidFill>
+                <a:schemeClr val="tx1"/>
+              </a:solidFill>
+            </a:endParaRPr>
           </a:p>
         </p:txBody>
       </p:sp>
@@ -3436,7 +3091,7 @@
 </p:sld>
 </file>
 
-<file path=ppt/slides/slide19.xml><?xml version="1.0" encoding="utf-8"?>
+<file path=ppt/slides/slide15.xml><?xml version="1.0" encoding="utf-8"?>
 <p:sld xmlns:a="http://schemas.openxmlformats.org/drawingml/2006/main" xmlns:r="http://schemas.openxmlformats.org/officeDocument/2006/relationships" xmlns:p="http://schemas.openxmlformats.org/presentationml/2006/main">
   <p:cSld>
     <p:spTree>
@@ -3484,7 +3139,11 @@
               </a:spcAft>
             </a:pPr>
             <a:r>
-              <a:rPr lang="en-IN" b="1" dirty="0"/>
+              <a:rPr lang="en-IN" b="1" dirty="0">
+                <a:solidFill>
+                  <a:schemeClr val="tx1"/>
+                </a:solidFill>
+              </a:rPr>
               <a:t>References &amp; GIT link</a:t>
             </a:r>
             <a:br>
@@ -3524,20 +3183,7 @@
                 <a:cs typeface="Cambria" panose="02040503050406030204" pitchFamily="18" charset="0"/>
                 <a:hlinkClick r:id="rId2"/>
               </a:rPr>
-              <a:t>https://www.geeksforgeeks.org/tag/</a:t>
-            </a:r>
-            <a:r>
-              <a:rPr lang="en-US" sz="1800" u="sng">
-                <a:solidFill>
-                  <a:srgbClr val="000000"/>
-                </a:solidFill>
-                <a:effectLst/>
-                <a:latin typeface="Times New Roman" panose="02020603050405020304" pitchFamily="18" charset="0"/>
-                <a:ea typeface="Cambria" panose="02040503050406030204" pitchFamily="18" charset="0"/>
-                <a:cs typeface="Cambria" panose="02040503050406030204" pitchFamily="18" charset="0"/>
-                <a:hlinkClick r:id="rId2"/>
-              </a:rPr>
-              <a:t>opengl/</a:t>
+              <a:t>https://www.geeksforgeeks.org/tag/opengl/</a:t>
             </a:r>
             <a:br>
               <a:rPr lang="en-US" sz="1800" dirty="0">
@@ -3677,6 +3323,36 @@
     <p:extLst>
       <p:ext uri="{BB962C8B-B14F-4D97-AF65-F5344CB8AC3E}">
         <p14:creationId xmlns:p14="http://schemas.microsoft.com/office/powerpoint/2010/main" val="3358861872"/>
+      </p:ext>
+    </p:extLst>
+  </p:cSld>
+  <p:clrMapOvr>
+    <a:masterClrMapping/>
+  </p:clrMapOvr>
+</p:sld>
+</file>
+
+<file path=ppt/slides/slide16.xml><?xml version="1.0" encoding="utf-8"?>
+<p:sld xmlns:a="http://schemas.openxmlformats.org/drawingml/2006/main" xmlns:r="http://schemas.openxmlformats.org/officeDocument/2006/relationships" xmlns:p="http://schemas.openxmlformats.org/presentationml/2006/main">
+  <p:cSld>
+    <p:spTree>
+      <p:nvGrpSpPr>
+        <p:cNvPr id="1" name=""/>
+        <p:cNvGrpSpPr/>
+        <p:nvPr/>
+      </p:nvGrpSpPr>
+      <p:grpSpPr>
+        <a:xfrm>
+          <a:off x="0" y="0"/>
+          <a:ext cx="0" cy="0"/>
+          <a:chOff x="0" y="0"/>
+          <a:chExt cx="0" cy="0"/>
+        </a:xfrm>
+      </p:grpSpPr>
+    </p:spTree>
+    <p:extLst>
+      <p:ext uri="{BB962C8B-B14F-4D97-AF65-F5344CB8AC3E}">
+        <p14:creationId xmlns:p14="http://schemas.microsoft.com/office/powerpoint/2010/main" val="2343120976"/>
       </p:ext>
     </p:extLst>
   </p:cSld>
@@ -3721,7 +3397,7 @@
         </p:nvSpPr>
         <p:spPr>
           <a:xfrm>
-            <a:off x="0" y="910937"/>
+            <a:off x="0" y="465860"/>
             <a:ext cx="12192000" cy="890154"/>
           </a:xfrm>
         </p:spPr>
@@ -3752,7 +3428,7 @@
         </p:nvSpPr>
         <p:spPr>
           <a:xfrm>
-            <a:off x="8756073" y="4360719"/>
+            <a:off x="7606004" y="5583641"/>
             <a:ext cx="3002540" cy="890154"/>
           </a:xfrm>
           <a:prstGeom prst="rect">
@@ -3857,7 +3533,7 @@
         </p:nvSpPr>
         <p:spPr>
           <a:xfrm>
-            <a:off x="1295044" y="2488947"/>
+            <a:off x="1295044" y="1321971"/>
             <a:ext cx="9842739" cy="591957"/>
           </a:xfrm>
           <a:prstGeom prst="rect">
@@ -3902,169 +3578,12 @@
           </a:p>
         </p:txBody>
       </p:sp>
-    </p:spTree>
-    <p:extLst>
-      <p:ext uri="{BB962C8B-B14F-4D97-AF65-F5344CB8AC3E}">
-        <p14:creationId xmlns:p14="http://schemas.microsoft.com/office/powerpoint/2010/main" val="3860673285"/>
-      </p:ext>
-    </p:extLst>
-  </p:cSld>
-  <p:clrMapOvr>
-    <a:masterClrMapping/>
-  </p:clrMapOvr>
-</p:sld>
-</file>
-
-<file path=ppt/slides/slide20.xml><?xml version="1.0" encoding="utf-8"?>
-<p:sld xmlns:a="http://schemas.openxmlformats.org/drawingml/2006/main" xmlns:r="http://schemas.openxmlformats.org/officeDocument/2006/relationships" xmlns:p="http://schemas.openxmlformats.org/presentationml/2006/main">
-  <p:cSld>
-    <p:spTree>
-      <p:nvGrpSpPr>
-        <p:cNvPr id="1" name=""/>
-        <p:cNvGrpSpPr/>
-        <p:nvPr/>
-      </p:nvGrpSpPr>
-      <p:grpSpPr>
-        <a:xfrm>
-          <a:off x="0" y="0"/>
-          <a:ext cx="0" cy="0"/>
-          <a:chOff x="0" y="0"/>
-          <a:chExt cx="0" cy="0"/>
-        </a:xfrm>
-      </p:grpSpPr>
-    </p:spTree>
-    <p:extLst>
-      <p:ext uri="{BB962C8B-B14F-4D97-AF65-F5344CB8AC3E}">
-        <p14:creationId xmlns:p14="http://schemas.microsoft.com/office/powerpoint/2010/main" val="2343120976"/>
-      </p:ext>
-    </p:extLst>
-  </p:cSld>
-  <p:clrMapOvr>
-    <a:masterClrMapping/>
-  </p:clrMapOvr>
-</p:sld>
-</file>
-
-<file path=ppt/slides/slide3.xml><?xml version="1.0" encoding="utf-8"?>
-<p:sld xmlns:a="http://schemas.openxmlformats.org/drawingml/2006/main" xmlns:r="http://schemas.openxmlformats.org/officeDocument/2006/relationships" xmlns:p="http://schemas.openxmlformats.org/presentationml/2006/main">
-  <p:cSld>
-    <p:spTree>
-      <p:nvGrpSpPr>
-        <p:cNvPr id="1" name=""/>
-        <p:cNvGrpSpPr/>
-        <p:nvPr/>
-      </p:nvGrpSpPr>
-      <p:grpSpPr>
-        <a:xfrm>
-          <a:off x="0" y="0"/>
-          <a:ext cx="0" cy="0"/>
-          <a:chOff x="0" y="0"/>
-          <a:chExt cx="0" cy="0"/>
-        </a:xfrm>
-      </p:grpSpPr>
-      <p:sp>
-        <p:nvSpPr>
-          <p:cNvPr id="2" name="Title 1">
+      <p:graphicFrame>
+        <p:nvGraphicFramePr>
+          <p:cNvPr id="7" name="Table 4">
             <a:extLst>
               <a:ext uri="{FF2B5EF4-FFF2-40B4-BE49-F238E27FC236}">
-                <a16:creationId xmlns:a16="http://schemas.microsoft.com/office/drawing/2014/main" id="{4D1F7A0E-301F-433F-A66A-D8416CCD3AAF}"/>
-              </a:ext>
-            </a:extLst>
-          </p:cNvPr>
-          <p:cNvSpPr>
-            <a:spLocks noGrp="1"/>
-          </p:cNvSpPr>
-          <p:nvPr>
-            <p:ph type="title"/>
-          </p:nvPr>
-        </p:nvSpPr>
-        <p:spPr>
-          <a:xfrm>
-            <a:off x="0" y="910937"/>
-            <a:ext cx="12192000" cy="890154"/>
-          </a:xfrm>
-        </p:spPr>
-        <p:txBody>
-          <a:bodyPr/>
-          <a:lstStyle/>
-          <a:p>
-            <a:r>
-              <a:rPr lang="en-US" b="1" dirty="0"/>
-              <a:t>Team Members &amp; Role</a:t>
-            </a:r>
-          </a:p>
-        </p:txBody>
-      </p:sp>
-      <p:sp>
-        <p:nvSpPr>
-          <p:cNvPr id="3" name="Title 1">
-            <a:extLst>
-              <a:ext uri="{FF2B5EF4-FFF2-40B4-BE49-F238E27FC236}">
-                <a16:creationId xmlns:a16="http://schemas.microsoft.com/office/drawing/2014/main" id="{4D1F7A0E-301F-433F-A66A-D8416CCD3AAF}"/>
-              </a:ext>
-            </a:extLst>
-          </p:cNvPr>
-          <p:cNvSpPr txBox="1">
-            <a:spLocks/>
-          </p:cNvSpPr>
-          <p:nvPr/>
-        </p:nvSpPr>
-        <p:spPr>
-          <a:xfrm>
-            <a:off x="8756073" y="5056909"/>
-            <a:ext cx="3002540" cy="826306"/>
-          </a:xfrm>
-          <a:prstGeom prst="rect">
-            <a:avLst/>
-          </a:prstGeom>
-        </p:spPr>
-        <p:txBody>
-          <a:bodyPr vert="horz" lIns="91438" tIns="45719" rIns="91438" bIns="45719" rtlCol="0" anchor="ctr">
-            <a:normAutofit/>
-          </a:bodyPr>
-          <a:lstStyle>
-            <a:lvl1pPr algn="ctr" defTabSz="457189" rtl="0" eaLnBrk="1" latinLnBrk="0" hangingPunct="1">
-              <a:spcBef>
-                <a:spcPct val="0"/>
-              </a:spcBef>
-              <a:buNone/>
-              <a:defRPr sz="3600" b="0" kern="1200">
-                <a:solidFill>
-                  <a:schemeClr val="tx1">
-                    <a:lumMod val="65000"/>
-                    <a:lumOff val="35000"/>
-                  </a:schemeClr>
-                </a:solidFill>
-                <a:latin typeface="+mn-lt"/>
-                <a:ea typeface="+mj-ea"/>
-                <a:cs typeface="+mj-cs"/>
-              </a:defRPr>
-            </a:lvl1pPr>
-          </a:lstStyle>
-          <a:p>
-            <a:r>
-              <a:rPr lang="en-US" sz="2000" dirty="0"/>
-              <a:t>Project Guide</a:t>
-            </a:r>
-          </a:p>
-          <a:p>
-            <a:r>
-              <a:rPr lang="en-US" sz="2000" dirty="0" err="1"/>
-              <a:t>Alind</a:t>
-            </a:r>
-            <a:r>
-              <a:rPr lang="en-US" sz="2000" dirty="0"/>
-              <a:t> Sir</a:t>
-            </a:r>
-          </a:p>
-        </p:txBody>
-      </p:sp>
-      <p:graphicFrame>
-        <p:nvGraphicFramePr>
-          <p:cNvPr id="4" name="Table 4">
-            <a:extLst>
-              <a:ext uri="{FF2B5EF4-FFF2-40B4-BE49-F238E27FC236}">
-                <a16:creationId xmlns:a16="http://schemas.microsoft.com/office/drawing/2014/main" id="{D56E971D-1A12-D776-BF9B-253874AD302E}"/>
+                <a16:creationId xmlns:a16="http://schemas.microsoft.com/office/drawing/2014/main" id="{78883B35-7BC9-3A23-A9FA-58104A8410D4}"/>
               </a:ext>
             </a:extLst>
           </p:cNvPr>
@@ -4074,13 +3593,13 @@
           <p:nvPr>
             <p:extLst>
               <p:ext uri="{D42A27DB-BD31-4B8C-83A1-F6EECF244321}">
-                <p14:modId xmlns:p14="http://schemas.microsoft.com/office/powerpoint/2010/main" val="4077285720"/>
+                <p14:modId xmlns:p14="http://schemas.microsoft.com/office/powerpoint/2010/main" val="4190574057"/>
               </p:ext>
             </p:extLst>
           </p:nvPr>
         </p:nvGraphicFramePr>
         <p:xfrm>
-          <a:off x="2032000" y="2184290"/>
+          <a:off x="1865394" y="2320034"/>
           <a:ext cx="8127999" cy="2857500"/>
         </p:xfrm>
         <a:graphic>
@@ -4203,7 +3722,7 @@
                         </a:spcAft>
                       </a:pPr>
                       <a:r>
-                        <a:rPr lang="en-US" sz="1200" b="1">
+                        <a:rPr lang="en-US" sz="1200" b="1" dirty="0">
                           <a:solidFill>
                             <a:srgbClr val="000000"/>
                           </a:solidFill>
@@ -4214,7 +3733,7 @@
                         </a:rPr>
                         <a:t>Branch</a:t>
                       </a:r>
-                      <a:endParaRPr lang="en-IN" sz="1000">
+                      <a:endParaRPr lang="en-IN" sz="1000" dirty="0">
                         <a:solidFill>
                           <a:srgbClr val="000000"/>
                         </a:solidFill>
@@ -4248,7 +3767,7 @@
                         </a:spcAft>
                       </a:pPr>
                       <a:r>
-                        <a:rPr lang="en-US" sz="1200">
+                        <a:rPr lang="en-US" sz="1200" dirty="0">
                           <a:solidFill>
                             <a:srgbClr val="000000"/>
                           </a:solidFill>
@@ -4259,7 +3778,7 @@
                         </a:rPr>
                         <a:t>Shahan Ali</a:t>
                       </a:r>
-                      <a:endParaRPr lang="en-IN" sz="1000">
+                      <a:endParaRPr lang="en-IN" sz="1000" dirty="0">
                         <a:solidFill>
                           <a:srgbClr val="000000"/>
                         </a:solidFill>
@@ -4445,7 +3964,7 @@
                         </a:spcAft>
                       </a:pPr>
                       <a:r>
-                        <a:rPr lang="en-US" sz="1200">
+                        <a:rPr lang="en-US" sz="1200" dirty="0">
                           <a:solidFill>
                             <a:srgbClr val="000000"/>
                           </a:solidFill>
@@ -4456,7 +3975,7 @@
                         </a:rPr>
                         <a:t>CSE GG</a:t>
                       </a:r>
-                      <a:endParaRPr lang="en-IN" sz="1000">
+                      <a:endParaRPr lang="en-IN" sz="1000" dirty="0">
                         <a:solidFill>
                           <a:srgbClr val="000000"/>
                         </a:solidFill>
@@ -4566,7 +4085,7 @@
                         </a:spcAft>
                       </a:pPr>
                       <a:r>
-                        <a:rPr lang="en-US" sz="1200">
+                        <a:rPr lang="en-US" sz="1200" dirty="0">
                           <a:solidFill>
                             <a:srgbClr val="000000"/>
                           </a:solidFill>
@@ -4577,7 +4096,7 @@
                         </a:rPr>
                         <a:t>CSE GG</a:t>
                       </a:r>
-                      <a:endParaRPr lang="en-IN" sz="1000">
+                      <a:endParaRPr lang="en-IN" sz="1000" dirty="0">
                         <a:solidFill>
                           <a:srgbClr val="000000"/>
                         </a:solidFill>
@@ -4724,7 +4243,7 @@
     </p:spTree>
     <p:extLst>
       <p:ext uri="{BB962C8B-B14F-4D97-AF65-F5344CB8AC3E}">
-        <p14:creationId xmlns:p14="http://schemas.microsoft.com/office/powerpoint/2010/main" val="3625789418"/>
+        <p14:creationId xmlns:p14="http://schemas.microsoft.com/office/powerpoint/2010/main" val="3860673285"/>
       </p:ext>
     </p:extLst>
   </p:cSld>
@@ -4734,7 +4253,7 @@
 </p:sld>
 </file>
 
-<file path=ppt/slides/slide4.xml><?xml version="1.0" encoding="utf-8"?>
+<file path=ppt/slides/slide3.xml><?xml version="1.0" encoding="utf-8"?>
 <p:sld xmlns:a="http://schemas.openxmlformats.org/drawingml/2006/main" xmlns:r="http://schemas.openxmlformats.org/officeDocument/2006/relationships" xmlns:p="http://schemas.openxmlformats.org/presentationml/2006/main">
   <p:cSld>
     <p:spTree>
@@ -4769,17 +4288,17 @@
         </p:nvSpPr>
         <p:spPr>
           <a:xfrm>
-            <a:off x="0" y="1090046"/>
-            <a:ext cx="12192000" cy="5136180"/>
+            <a:off x="762000" y="1531856"/>
+            <a:ext cx="10972800" cy="1143000"/>
           </a:xfrm>
         </p:spPr>
         <p:txBody>
           <a:bodyPr>
-            <a:normAutofit fontScale="90000"/>
+            <a:normAutofit/>
           </a:bodyPr>
           <a:lstStyle/>
           <a:p>
-            <a:pPr marL="643255" marR="506730" indent="189865">
+            <a:pPr marL="643255" marR="506730">
               <a:lnSpc>
                 <a:spcPct val="106000"/>
               </a:lnSpc>
@@ -4789,138 +4308,83 @@
             </a:pPr>
             <a:r>
               <a:rPr lang="en-US" b="1" dirty="0"/>
-              <a:t>Introduction</a:t>
+              <a:t>INTRODUCTION</a:t>
             </a:r>
             <a:br>
               <a:rPr lang="en-US" b="1" dirty="0"/>
             </a:br>
+            <a:endParaRPr lang="en-US" sz="1800" b="1" dirty="0"/>
+          </a:p>
+        </p:txBody>
+      </p:sp>
+      <p:sp>
+        <p:nvSpPr>
+          <p:cNvPr id="3" name="Content Placeholder 2">
+            <a:extLst>
+              <a:ext uri="{FF2B5EF4-FFF2-40B4-BE49-F238E27FC236}">
+                <a16:creationId xmlns:a16="http://schemas.microsoft.com/office/drawing/2014/main" id="{EB391F16-3897-3C25-37BD-3B68C3F2012F}"/>
+              </a:ext>
+            </a:extLst>
+          </p:cNvPr>
+          <p:cNvSpPr>
+            <a:spLocks noGrp="1"/>
+          </p:cNvSpPr>
+          <p:nvPr>
+            <p:ph idx="1"/>
+          </p:nvPr>
+        </p:nvSpPr>
+        <p:spPr>
+          <a:xfrm>
+            <a:off x="762000" y="2855537"/>
+            <a:ext cx="10972800" cy="2470607"/>
+          </a:xfrm>
+        </p:spPr>
+        <p:txBody>
+          <a:bodyPr>
+            <a:normAutofit/>
+          </a:bodyPr>
+          <a:lstStyle/>
+          <a:p>
             <a:r>
               <a:rPr lang="en-US" sz="1800" dirty="0">
-                <a:solidFill>
-                  <a:srgbClr val="000000"/>
-                </a:solidFill>
                 <a:effectLst/>
                 <a:latin typeface="Times New Roman" panose="02020603050405020304" pitchFamily="18" charset="0"/>
-                <a:ea typeface="Cambria" panose="02040503050406030204" pitchFamily="18" charset="0"/>
-                <a:cs typeface="Cambria" panose="02040503050406030204" pitchFamily="18" charset="0"/>
+                <a:ea typeface="Times New Roman" panose="02020603050405020304" pitchFamily="18" charset="0"/>
               </a:rPr>
-              <a:t>Chemistry, with its intricacies and elements, has long been a subject of both fascination and challenge for students. The periodic table, a cornerstone of chemical science, provides the fundamental framework upon which the properties and behaviors of these elements are understood. However, the task of memorizing the order of elements on this table has often proven to be a formidable hurdle in the educational journey of aspiring students.</a:t>
-            </a:r>
-            <a:br>
-              <a:rPr lang="en-IN" sz="1800" dirty="0">
-                <a:solidFill>
-                  <a:srgbClr val="000000"/>
-                </a:solidFill>
-                <a:effectLst/>
-                <a:latin typeface="Cambria" panose="02040503050406030204" pitchFamily="18" charset="0"/>
-                <a:ea typeface="Cambria" panose="02040503050406030204" pitchFamily="18" charset="0"/>
-                <a:cs typeface="Cambria" panose="02040503050406030204" pitchFamily="18" charset="0"/>
-              </a:rPr>
-            </a:br>
-            <a:r>
-              <a:rPr lang="en-US" sz="1800" dirty="0">
-                <a:solidFill>
-                  <a:srgbClr val="000000"/>
-                </a:solidFill>
+              <a:t>The purpose of this project is to create "</a:t>
+            </a:r>
+            <a:r>
+              <a:rPr lang="en-US" sz="1800" b="1" dirty="0">
                 <a:effectLst/>
                 <a:latin typeface="Times New Roman" panose="02020603050405020304" pitchFamily="18" charset="0"/>
-                <a:ea typeface="Cambria" panose="02040503050406030204" pitchFamily="18" charset="0"/>
-                <a:cs typeface="Cambria" panose="02040503050406030204" pitchFamily="18" charset="0"/>
+                <a:ea typeface="Times New Roman" panose="02020603050405020304" pitchFamily="18" charset="0"/>
               </a:rPr>
-              <a:t>In recognition of this challenge, the “Mendeleev’s Marvel" project emerges as a solution that marries education and entertainment. Our project sets out to create an interactive game that leverages the power of gamification to make learning the periodic table an engaging and enjoyable experience. By combining the structured beauty of scientific knowledge with the dynamic interactivity of gaming, Mendeleev’s Marvel aims to revolutionize the way students approach and conquer the periodic table.</a:t>
-            </a:r>
-            <a:br>
-              <a:rPr lang="en-IN" sz="1800" dirty="0">
-                <a:solidFill>
-                  <a:srgbClr val="000000"/>
-                </a:solidFill>
-                <a:effectLst/>
-                <a:latin typeface="Cambria" panose="02040503050406030204" pitchFamily="18" charset="0"/>
-                <a:ea typeface="Cambria" panose="02040503050406030204" pitchFamily="18" charset="0"/>
-                <a:cs typeface="Cambria" panose="02040503050406030204" pitchFamily="18" charset="0"/>
-              </a:rPr>
-            </a:br>
+              <a:t>Mendeleev's Marvel</a:t>
+            </a:r>
             <a:r>
               <a:rPr lang="en-US" sz="1800" dirty="0">
-                <a:solidFill>
-                  <a:srgbClr val="000000"/>
-                </a:solidFill>
                 <a:effectLst/>
                 <a:latin typeface="Times New Roman" panose="02020603050405020304" pitchFamily="18" charset="0"/>
-                <a:ea typeface="Cambria" panose="02040503050406030204" pitchFamily="18" charset="0"/>
-                <a:cs typeface="Cambria" panose="02040503050406030204" pitchFamily="18" charset="0"/>
+                <a:ea typeface="Times New Roman" panose="02020603050405020304" pitchFamily="18" charset="0"/>
               </a:rPr>
-              <a:t>In this endeavor, we draw inspiration from existing research in the field of science education, which highlights the potential of gamified learning experiences to enhance comprehension and retention of complex concepts. However, Mendeleev’s Marvel stands apart by directly addressing the specific challenge of element ordering within the periodic table, a challenge that has persisted in science education.</a:t>
-            </a:r>
-            <a:br>
-              <a:rPr lang="en-IN" sz="1800" dirty="0">
-                <a:solidFill>
-                  <a:srgbClr val="000000"/>
-                </a:solidFill>
-                <a:effectLst/>
-                <a:latin typeface="Cambria" panose="02040503050406030204" pitchFamily="18" charset="0"/>
-                <a:ea typeface="Cambria" panose="02040503050406030204" pitchFamily="18" charset="0"/>
-                <a:cs typeface="Cambria" panose="02040503050406030204" pitchFamily="18" charset="0"/>
-              </a:rPr>
-            </a:br>
-            <a:br>
-              <a:rPr lang="en-IN" sz="1800" dirty="0">
-                <a:solidFill>
-                  <a:srgbClr val="000000"/>
-                </a:solidFill>
-                <a:effectLst/>
-                <a:latin typeface="Cambria" panose="02040503050406030204" pitchFamily="18" charset="0"/>
-                <a:ea typeface="Cambria" panose="02040503050406030204" pitchFamily="18" charset="0"/>
-                <a:cs typeface="Cambria" panose="02040503050406030204" pitchFamily="18" charset="0"/>
-              </a:rPr>
-            </a:br>
+              <a:t>," an educational game designed to help users learn and remember the periodic table's order.</a:t>
+            </a:r>
+          </a:p>
+          <a:p>
             <a:r>
               <a:rPr lang="en-US" sz="1800" dirty="0">
-                <a:solidFill>
-                  <a:srgbClr val="000000"/>
-                </a:solidFill>
                 <a:effectLst/>
                 <a:latin typeface="Times New Roman" panose="02020603050405020304" pitchFamily="18" charset="0"/>
-                <a:ea typeface="Cambria" panose="02040503050406030204" pitchFamily="18" charset="0"/>
-                <a:cs typeface="Cambria" panose="02040503050406030204" pitchFamily="18" charset="0"/>
+                <a:ea typeface="Times New Roman" panose="02020603050405020304" pitchFamily="18" charset="0"/>
               </a:rPr>
-              <a:t>As we embark on this elemental journey, we aim to create an educational tool that not only meets the academic needs of students but also ignites their passion for the periodic table and the captivating realm of science.</a:t>
-            </a:r>
-            <a:br>
-              <a:rPr lang="en-IN" sz="1800" dirty="0">
-                <a:solidFill>
-                  <a:srgbClr val="000000"/>
-                </a:solidFill>
-                <a:effectLst/>
-                <a:latin typeface="Cambria" panose="02040503050406030204" pitchFamily="18" charset="0"/>
-                <a:ea typeface="Cambria" panose="02040503050406030204" pitchFamily="18" charset="0"/>
-                <a:cs typeface="Cambria" panose="02040503050406030204" pitchFamily="18" charset="0"/>
-              </a:rPr>
-            </a:br>
-            <a:r>
-              <a:rPr lang="en-US" sz="1800" dirty="0">
-                <a:solidFill>
-                  <a:srgbClr val="000000"/>
-                </a:solidFill>
-                <a:effectLst/>
-                <a:latin typeface="Times New Roman" panose="02020603050405020304" pitchFamily="18" charset="0"/>
-                <a:ea typeface="Cambria" panose="02040503050406030204" pitchFamily="18" charset="0"/>
-                <a:cs typeface="Cambria" panose="02040503050406030204" pitchFamily="18" charset="0"/>
-              </a:rPr>
-              <a:t>The technology we are going to use for this particular project are OpenGL, object-oriented programming, data structure and algorithms.</a:t>
-            </a:r>
-            <a:br>
-              <a:rPr lang="en-IN" sz="1800" dirty="0">
-                <a:solidFill>
-                  <a:srgbClr val="000000"/>
-                </a:solidFill>
-                <a:effectLst/>
-                <a:latin typeface="Cambria" panose="02040503050406030204" pitchFamily="18" charset="0"/>
-                <a:ea typeface="Cambria" panose="02040503050406030204" pitchFamily="18" charset="0"/>
-                <a:cs typeface="Cambria" panose="02040503050406030204" pitchFamily="18" charset="0"/>
-              </a:rPr>
-            </a:br>
-            <a:endParaRPr lang="en-US" b="1" dirty="0"/>
+              <a:t>The project aims to address the challenge of making periodic table education engaging and interactive, motivating learners to understand and retain the order of elements.</a:t>
+            </a:r>
+          </a:p>
+          <a:p>
+            <a:r>
+              <a:rPr lang="en-IN" sz="1800" dirty="0"/>
+              <a:t>It uses gamified learning for making the platform much more interactive and helpful in learning.</a:t>
+            </a:r>
           </a:p>
         </p:txBody>
       </p:sp>
@@ -4928,6 +4392,554 @@
     <p:extLst>
       <p:ext uri="{BB962C8B-B14F-4D97-AF65-F5344CB8AC3E}">
         <p14:creationId xmlns:p14="http://schemas.microsoft.com/office/powerpoint/2010/main" val="2251364853"/>
+      </p:ext>
+    </p:extLst>
+  </p:cSld>
+  <p:clrMapOvr>
+    <a:masterClrMapping/>
+  </p:clrMapOvr>
+</p:sld>
+</file>
+
+<file path=ppt/slides/slide4.xml><?xml version="1.0" encoding="utf-8"?>
+<p:sld xmlns:a="http://schemas.openxmlformats.org/drawingml/2006/main" xmlns:r="http://schemas.openxmlformats.org/officeDocument/2006/relationships" xmlns:p="http://schemas.openxmlformats.org/presentationml/2006/main">
+  <p:cSld>
+    <p:spTree>
+      <p:nvGrpSpPr>
+        <p:cNvPr id="1" name=""/>
+        <p:cNvGrpSpPr/>
+        <p:nvPr/>
+      </p:nvGrpSpPr>
+      <p:grpSpPr>
+        <a:xfrm>
+          <a:off x="0" y="0"/>
+          <a:ext cx="0" cy="0"/>
+          <a:chOff x="0" y="0"/>
+          <a:chExt cx="0" cy="0"/>
+        </a:xfrm>
+      </p:grpSpPr>
+      <p:sp>
+        <p:nvSpPr>
+          <p:cNvPr id="2" name="Title 1"/>
+          <p:cNvSpPr>
+            <a:spLocks noGrp="1"/>
+          </p:cNvSpPr>
+          <p:nvPr>
+            <p:ph type="title"/>
+          </p:nvPr>
+        </p:nvSpPr>
+        <p:spPr>
+          <a:xfrm>
+            <a:off x="162203" y="334651"/>
+            <a:ext cx="12029797" cy="1583703"/>
+          </a:xfrm>
+        </p:spPr>
+        <p:txBody>
+          <a:bodyPr>
+            <a:noAutofit/>
+          </a:bodyPr>
+          <a:lstStyle/>
+          <a:p>
+            <a:r>
+              <a:rPr lang="en-IN" b="1" dirty="0">
+                <a:solidFill>
+                  <a:schemeClr val="tx1"/>
+                </a:solidFill>
+              </a:rPr>
+              <a:t>Literature Review</a:t>
+            </a:r>
+          </a:p>
+        </p:txBody>
+      </p:sp>
+      <p:graphicFrame>
+        <p:nvGraphicFramePr>
+          <p:cNvPr id="3" name="Table 2">
+            <a:extLst>
+              <a:ext uri="{FF2B5EF4-FFF2-40B4-BE49-F238E27FC236}">
+                <a16:creationId xmlns:a16="http://schemas.microsoft.com/office/drawing/2014/main" id="{062FF511-D92C-0B10-8EE9-8D49CEDD6EEB}"/>
+              </a:ext>
+            </a:extLst>
+          </p:cNvPr>
+          <p:cNvGraphicFramePr>
+            <a:graphicFrameLocks noGrp="1"/>
+          </p:cNvGraphicFramePr>
+          <p:nvPr>
+            <p:extLst>
+              <p:ext uri="{D42A27DB-BD31-4B8C-83A1-F6EECF244321}">
+                <p14:modId xmlns:p14="http://schemas.microsoft.com/office/powerpoint/2010/main" val="3834871279"/>
+              </p:ext>
+            </p:extLst>
+          </p:nvPr>
+        </p:nvGraphicFramePr>
+        <p:xfrm>
+          <a:off x="1121789" y="1668544"/>
+          <a:ext cx="9964133" cy="4892512"/>
+        </p:xfrm>
+        <a:graphic>
+          <a:graphicData uri="http://schemas.openxmlformats.org/drawingml/2006/table">
+            <a:tbl>
+              <a:tblPr firstRow="1" bandRow="1">
+                <a:tableStyleId>{5C22544A-7EE6-4342-B048-85BDC9FD1C3A}</a:tableStyleId>
+              </a:tblPr>
+              <a:tblGrid>
+                <a:gridCol w="669304">
+                  <a:extLst>
+                    <a:ext uri="{9D8B030D-6E8A-4147-A177-3AD203B41FA5}">
+                      <a16:colId xmlns:a16="http://schemas.microsoft.com/office/drawing/2014/main" val="1667585896"/>
+                    </a:ext>
+                  </a:extLst>
+                </a:gridCol>
+                <a:gridCol w="3194596">
+                  <a:extLst>
+                    <a:ext uri="{9D8B030D-6E8A-4147-A177-3AD203B41FA5}">
+                      <a16:colId xmlns:a16="http://schemas.microsoft.com/office/drawing/2014/main" val="3338679645"/>
+                    </a:ext>
+                  </a:extLst>
+                </a:gridCol>
+                <a:gridCol w="2612315">
+                  <a:extLst>
+                    <a:ext uri="{9D8B030D-6E8A-4147-A177-3AD203B41FA5}">
+                      <a16:colId xmlns:a16="http://schemas.microsoft.com/office/drawing/2014/main" val="882269404"/>
+                    </a:ext>
+                  </a:extLst>
+                </a:gridCol>
+                <a:gridCol w="3487918">
+                  <a:extLst>
+                    <a:ext uri="{9D8B030D-6E8A-4147-A177-3AD203B41FA5}">
+                      <a16:colId xmlns:a16="http://schemas.microsoft.com/office/drawing/2014/main" val="1367743381"/>
+                    </a:ext>
+                  </a:extLst>
+                </a:gridCol>
+              </a:tblGrid>
+              <a:tr h="527326">
+                <a:tc>
+                  <a:txBody>
+                    <a:bodyPr/>
+                    <a:lstStyle/>
+                    <a:p>
+                      <a:r>
+                        <a:rPr lang="en-IN" dirty="0"/>
+                        <a:t>No.</a:t>
+                      </a:r>
+                    </a:p>
+                  </a:txBody>
+                  <a:tcPr/>
+                </a:tc>
+                <a:tc>
+                  <a:txBody>
+                    <a:bodyPr/>
+                    <a:lstStyle/>
+                    <a:p>
+                      <a:r>
+                        <a:rPr lang="en-IN" dirty="0"/>
+                        <a:t>Source</a:t>
+                      </a:r>
+                    </a:p>
+                  </a:txBody>
+                  <a:tcPr/>
+                </a:tc>
+                <a:tc>
+                  <a:txBody>
+                    <a:bodyPr/>
+                    <a:lstStyle/>
+                    <a:p>
+                      <a:r>
+                        <a:rPr lang="en-IN" dirty="0"/>
+                        <a:t>Connection with Project</a:t>
+                      </a:r>
+                    </a:p>
+                  </a:txBody>
+                  <a:tcPr/>
+                </a:tc>
+                <a:tc>
+                  <a:txBody>
+                    <a:bodyPr/>
+                    <a:lstStyle/>
+                    <a:p>
+                      <a:r>
+                        <a:rPr lang="en-IN" dirty="0"/>
+                        <a:t>Learnings</a:t>
+                      </a:r>
+                    </a:p>
+                  </a:txBody>
+                  <a:tcPr/>
+                </a:tc>
+                <a:extLst>
+                  <a:ext uri="{0D108BD9-81ED-4DB2-BD59-A6C34878D82A}">
+                    <a16:rowId xmlns:a16="http://schemas.microsoft.com/office/drawing/2014/main" val="1165613651"/>
+                  </a:ext>
+                </a:extLst>
+              </a:tr>
+              <a:tr h="1210454">
+                <a:tc>
+                  <a:txBody>
+                    <a:bodyPr/>
+                    <a:lstStyle/>
+                    <a:p>
+                      <a:r>
+                        <a:rPr lang="en-IN" sz="1600" dirty="0"/>
+                        <a:t>1</a:t>
+                      </a:r>
+                    </a:p>
+                  </a:txBody>
+                  <a:tcPr/>
+                </a:tc>
+                <a:tc>
+                  <a:txBody>
+                    <a:bodyPr/>
+                    <a:lstStyle/>
+                    <a:p>
+                      <a:r>
+                        <a:rPr lang="en-IN" sz="1600" dirty="0"/>
+                        <a:t>Mendeleev’s periodic table</a:t>
+                      </a:r>
+                    </a:p>
+                  </a:txBody>
+                  <a:tcPr/>
+                </a:tc>
+                <a:tc>
+                  <a:txBody>
+                    <a:bodyPr/>
+                    <a:lstStyle/>
+                    <a:p>
+                      <a:r>
+                        <a:rPr lang="en-IN" sz="1600" dirty="0"/>
+                        <a:t>It is a learning tool for understanding chemistry better.</a:t>
+                      </a:r>
+                    </a:p>
+                  </a:txBody>
+                  <a:tcPr/>
+                </a:tc>
+                <a:tc>
+                  <a:txBody>
+                    <a:bodyPr/>
+                    <a:lstStyle/>
+                    <a:p>
+                      <a:r>
+                        <a:rPr lang="en-IN" sz="1600" dirty="0"/>
+                        <a:t>Got the fundamentals of the projects for the same.</a:t>
+                      </a:r>
+                    </a:p>
+                  </a:txBody>
+                  <a:tcPr/>
+                </a:tc>
+                <a:extLst>
+                  <a:ext uri="{0D108BD9-81ED-4DB2-BD59-A6C34878D82A}">
+                    <a16:rowId xmlns:a16="http://schemas.microsoft.com/office/drawing/2014/main" val="220020359"/>
+                  </a:ext>
+                </a:extLst>
+              </a:tr>
+              <a:tr h="755035">
+                <a:tc>
+                  <a:txBody>
+                    <a:bodyPr/>
+                    <a:lstStyle/>
+                    <a:p>
+                      <a:r>
+                        <a:rPr lang="en-IN" sz="1600" dirty="0"/>
+                        <a:t>2</a:t>
+                      </a:r>
+                    </a:p>
+                  </a:txBody>
+                  <a:tcPr/>
+                </a:tc>
+                <a:tc>
+                  <a:txBody>
+                    <a:bodyPr/>
+                    <a:lstStyle/>
+                    <a:p>
+                      <a:r>
+                        <a:rPr lang="en-IN" sz="1600" dirty="0"/>
+                        <a:t>Crossword Puzzle</a:t>
+                      </a:r>
+                    </a:p>
+                  </a:txBody>
+                  <a:tcPr/>
+                </a:tc>
+                <a:tc>
+                  <a:txBody>
+                    <a:bodyPr/>
+                    <a:lstStyle/>
+                    <a:p>
+                      <a:r>
+                        <a:rPr lang="en-IN" sz="1600" dirty="0"/>
+                        <a:t>Base model for the game experience</a:t>
+                      </a:r>
+                    </a:p>
+                  </a:txBody>
+                  <a:tcPr/>
+                </a:tc>
+                <a:tc>
+                  <a:txBody>
+                    <a:bodyPr/>
+                    <a:lstStyle/>
+                    <a:p>
+                      <a:r>
+                        <a:rPr lang="en-IN" sz="1600" dirty="0"/>
+                        <a:t>Viable source for memorization of table</a:t>
+                      </a:r>
+                    </a:p>
+                  </a:txBody>
+                  <a:tcPr/>
+                </a:tc>
+                <a:extLst>
+                  <a:ext uri="{0D108BD9-81ED-4DB2-BD59-A6C34878D82A}">
+                    <a16:rowId xmlns:a16="http://schemas.microsoft.com/office/drawing/2014/main" val="3504657643"/>
+                  </a:ext>
+                </a:extLst>
+              </a:tr>
+              <a:tr h="1438163">
+                <a:tc>
+                  <a:txBody>
+                    <a:bodyPr/>
+                    <a:lstStyle/>
+                    <a:p>
+                      <a:r>
+                        <a:rPr lang="en-IN" sz="1600" dirty="0"/>
+                        <a:t>3</a:t>
+                      </a:r>
+                    </a:p>
+                  </a:txBody>
+                  <a:tcPr/>
+                </a:tc>
+                <a:tc>
+                  <a:txBody>
+                    <a:bodyPr/>
+                    <a:lstStyle/>
+                    <a:p>
+                      <a:pPr marL="0" marR="0" lvl="0" indent="0" algn="l" defTabSz="457189" rtl="0" eaLnBrk="1" fontAlgn="auto" latinLnBrk="0" hangingPunct="1">
+                        <a:lnSpc>
+                          <a:spcPct val="100000"/>
+                        </a:lnSpc>
+                        <a:spcBef>
+                          <a:spcPts val="0"/>
+                        </a:spcBef>
+                        <a:spcAft>
+                          <a:spcPts val="0"/>
+                        </a:spcAft>
+                        <a:buClrTx/>
+                        <a:buSzTx/>
+                        <a:buFontTx/>
+                        <a:buNone/>
+                        <a:tabLst/>
+                        <a:defRPr/>
+                      </a:pPr>
+                      <a:r>
+                        <a:rPr lang="en-US" sz="1600" b="0" i="0" kern="1200" dirty="0">
+                          <a:solidFill>
+                            <a:schemeClr val="dk1"/>
+                          </a:solidFill>
+                          <a:effectLst/>
+                          <a:latin typeface="+mn-lt"/>
+                          <a:ea typeface="+mn-ea"/>
+                          <a:cs typeface="+mn-cs"/>
+                        </a:rPr>
+                        <a:t>The C++ Programming Language By: Bjarne </a:t>
+                      </a:r>
+                      <a:r>
+                        <a:rPr lang="en-US" sz="1600" b="0" i="0" kern="1200" dirty="0" err="1">
+                          <a:solidFill>
+                            <a:schemeClr val="dk1"/>
+                          </a:solidFill>
+                          <a:effectLst/>
+                          <a:latin typeface="+mn-lt"/>
+                          <a:ea typeface="+mn-ea"/>
+                          <a:cs typeface="+mn-cs"/>
+                        </a:rPr>
+                        <a:t>Stroustrup</a:t>
+                      </a:r>
+                      <a:endParaRPr lang="en-US" sz="1600" b="0" i="0" kern="1200" dirty="0">
+                        <a:solidFill>
+                          <a:schemeClr val="dk1"/>
+                        </a:solidFill>
+                        <a:effectLst/>
+                        <a:latin typeface="+mn-lt"/>
+                        <a:ea typeface="+mn-ea"/>
+                        <a:cs typeface="+mn-cs"/>
+                      </a:endParaRPr>
+                    </a:p>
+                    <a:p>
+                      <a:endParaRPr lang="en-IN" sz="1600" dirty="0"/>
+                    </a:p>
+                  </a:txBody>
+                  <a:tcPr/>
+                </a:tc>
+                <a:tc>
+                  <a:txBody>
+                    <a:bodyPr/>
+                    <a:lstStyle/>
+                    <a:p>
+                      <a:r>
+                        <a:rPr lang="en-IN" sz="1600" dirty="0"/>
+                        <a:t>Algorithm and backend</a:t>
+                      </a:r>
+                    </a:p>
+                  </a:txBody>
+                  <a:tcPr/>
+                </a:tc>
+                <a:tc>
+                  <a:txBody>
+                    <a:bodyPr/>
+                    <a:lstStyle/>
+                    <a:p>
+                      <a:r>
+                        <a:rPr lang="en-IN" sz="1600" dirty="0"/>
+                        <a:t>Structuring the backend</a:t>
+                      </a:r>
+                    </a:p>
+                  </a:txBody>
+                  <a:tcPr/>
+                </a:tc>
+                <a:extLst>
+                  <a:ext uri="{0D108BD9-81ED-4DB2-BD59-A6C34878D82A}">
+                    <a16:rowId xmlns:a16="http://schemas.microsoft.com/office/drawing/2014/main" val="3688764416"/>
+                  </a:ext>
+                </a:extLst>
+              </a:tr>
+              <a:tr h="961534">
+                <a:tc>
+                  <a:txBody>
+                    <a:bodyPr/>
+                    <a:lstStyle/>
+                    <a:p>
+                      <a:r>
+                        <a:rPr lang="en-IN" sz="1600" dirty="0"/>
+                        <a:t>4</a:t>
+                      </a:r>
+                    </a:p>
+                  </a:txBody>
+                  <a:tcPr/>
+                </a:tc>
+                <a:tc>
+                  <a:txBody>
+                    <a:bodyPr/>
+                    <a:lstStyle/>
+                    <a:p>
+                      <a:r>
+                        <a:rPr lang="en-IN" sz="1600" dirty="0"/>
+                        <a:t>3D Graphics rendering cookbook </a:t>
+                      </a:r>
+                      <a:r>
+                        <a:rPr lang="en-IN" sz="1600" dirty="0" err="1"/>
+                        <a:t>by:</a:t>
+                      </a:r>
+                      <a:r>
+                        <a:rPr lang="en-IN" sz="1800" b="0" i="0" u="none" strike="noStrike" kern="1200" dirty="0" err="1">
+                          <a:solidFill>
+                            <a:schemeClr val="dk1"/>
+                          </a:solidFill>
+                          <a:effectLst/>
+                          <a:latin typeface="+mn-lt"/>
+                          <a:ea typeface="+mn-ea"/>
+                          <a:cs typeface="+mn-cs"/>
+                        </a:rPr>
+                        <a:t>Sergey</a:t>
+                      </a:r>
+                      <a:r>
+                        <a:rPr lang="en-IN" sz="1800" b="0" i="0" u="none" strike="noStrike" kern="1200" dirty="0">
+                          <a:solidFill>
+                            <a:schemeClr val="dk1"/>
+                          </a:solidFill>
+                          <a:effectLst/>
+                          <a:latin typeface="+mn-lt"/>
+                          <a:ea typeface="+mn-ea"/>
+                          <a:cs typeface="+mn-cs"/>
+                        </a:rPr>
+                        <a:t> </a:t>
+                      </a:r>
+                      <a:r>
+                        <a:rPr lang="en-IN" sz="1800" b="0" i="0" u="none" strike="noStrike" kern="1200" dirty="0" err="1">
+                          <a:solidFill>
+                            <a:schemeClr val="dk1"/>
+                          </a:solidFill>
+                          <a:effectLst/>
+                          <a:latin typeface="+mn-lt"/>
+                          <a:ea typeface="+mn-ea"/>
+                          <a:cs typeface="+mn-cs"/>
+                        </a:rPr>
+                        <a:t>Kosarevsky</a:t>
+                      </a:r>
+                      <a:r>
+                        <a:rPr lang="en-IN" sz="1800" b="0" i="0" kern="1200" dirty="0">
+                          <a:solidFill>
+                            <a:schemeClr val="dk1"/>
+                          </a:solidFill>
+                          <a:effectLst/>
+                          <a:latin typeface="+mn-lt"/>
+                          <a:ea typeface="+mn-ea"/>
+                          <a:cs typeface="+mn-cs"/>
+                        </a:rPr>
+                        <a:t>, </a:t>
+                      </a:r>
+                      <a:r>
+                        <a:rPr lang="en-IN" sz="1800" b="0" i="0" u="none" strike="noStrike" kern="1200" dirty="0">
+                          <a:solidFill>
+                            <a:schemeClr val="dk1"/>
+                          </a:solidFill>
+                          <a:effectLst/>
+                          <a:latin typeface="+mn-lt"/>
+                          <a:ea typeface="+mn-ea"/>
+                          <a:cs typeface="+mn-cs"/>
+                        </a:rPr>
+                        <a:t>Viktor </a:t>
+                      </a:r>
+                      <a:r>
+                        <a:rPr lang="en-IN" sz="1800" b="0" i="0" u="none" strike="noStrike" kern="1200" dirty="0" err="1">
+                          <a:solidFill>
+                            <a:schemeClr val="dk1"/>
+                          </a:solidFill>
+                          <a:effectLst/>
+                          <a:latin typeface="+mn-lt"/>
+                          <a:ea typeface="+mn-ea"/>
+                          <a:cs typeface="+mn-cs"/>
+                        </a:rPr>
+                        <a:t>Latypov</a:t>
+                      </a:r>
+                      <a:endParaRPr lang="en-IN" sz="1800" dirty="0"/>
+                    </a:p>
+                  </a:txBody>
+                  <a:tcPr/>
+                </a:tc>
+                <a:tc>
+                  <a:txBody>
+                    <a:bodyPr/>
+                    <a:lstStyle/>
+                    <a:p>
+                      <a:r>
+                        <a:rPr lang="en-IN" sz="1600" dirty="0"/>
+                        <a:t>User Interface and Frontend</a:t>
+                      </a:r>
+                    </a:p>
+                  </a:txBody>
+                  <a:tcPr/>
+                </a:tc>
+                <a:tc>
+                  <a:txBody>
+                    <a:bodyPr/>
+                    <a:lstStyle/>
+                    <a:p>
+                      <a:r>
+                        <a:rPr lang="en-IN" sz="1600" dirty="0"/>
+                        <a:t>Visualization of the game</a:t>
+                      </a:r>
+                    </a:p>
+                  </a:txBody>
+                  <a:tcPr/>
+                </a:tc>
+                <a:extLst>
+                  <a:ext uri="{0D108BD9-81ED-4DB2-BD59-A6C34878D82A}">
+                    <a16:rowId xmlns:a16="http://schemas.microsoft.com/office/drawing/2014/main" val="1526114095"/>
+                  </a:ext>
+                </a:extLst>
+              </a:tr>
+            </a:tbl>
+          </a:graphicData>
+        </a:graphic>
+      </p:graphicFrame>
+    </p:spTree>
+    <p:extLst>
+      <p:ext uri="{BB962C8B-B14F-4D97-AF65-F5344CB8AC3E}">
+        <p14:creationId xmlns:p14="http://schemas.microsoft.com/office/powerpoint/2010/main" val="1544619379"/>
       </p:ext>
     </p:extLst>
   </p:cSld>
@@ -4966,8 +4978,8 @@
         </p:nvSpPr>
         <p:spPr>
           <a:xfrm>
-            <a:off x="166255" y="1279021"/>
-            <a:ext cx="11867594" cy="3812876"/>
+            <a:off x="677159" y="1871697"/>
+            <a:ext cx="10972800" cy="1143000"/>
           </a:xfrm>
         </p:spPr>
         <p:txBody>
@@ -4978,23 +4990,11 @@
           <a:p>
             <a:r>
               <a:rPr lang="en-IN" b="1" dirty="0"/>
-              <a:t>Literature Review</a:t>
+              <a:t>Motivation</a:t>
             </a:r>
             <a:br>
               <a:rPr lang="en-IN" b="1" dirty="0"/>
             </a:br>
-            <a:r>
-              <a:rPr lang="en-US" sz="1800" dirty="0">
-                <a:solidFill>
-                  <a:srgbClr val="000000"/>
-                </a:solidFill>
-                <a:effectLst/>
-                <a:latin typeface="Times New Roman" panose="02020603050405020304" pitchFamily="18" charset="0"/>
-                <a:ea typeface="Cambria" panose="02040503050406030204" pitchFamily="18" charset="0"/>
-                <a:cs typeface="Cambria" panose="02040503050406030204" pitchFamily="18" charset="0"/>
-              </a:rPr>
-              <a:t>In the field of science education, several studies have explored the effectiveness of gamification in enhancing learning outcomes. Research by Smith et al. (2018) demonstrated that educational games can significantly improve students' retention of complex scientific concepts. Moreover, Johnson's work (2017) highlights the positive impact of interactive periodic table applications in aiding students' comprehension of element ordering. While these studies offer valuable insights, none directly address our project's goal of creating an interactive game that combines both learning and entertainment aspects.</a:t>
-            </a:r>
             <a:br>
               <a:rPr lang="en-IN" sz="1800" dirty="0">
                 <a:solidFill>
@@ -5006,10 +5006,88 @@
                 <a:cs typeface="Cambria" panose="02040503050406030204" pitchFamily="18" charset="0"/>
               </a:rPr>
             </a:br>
-            <a:endParaRPr lang="en-IN" b="1" dirty="0">
+            <a:endParaRPr lang="en-IN" b="1" dirty="0"/>
+          </a:p>
+        </p:txBody>
+      </p:sp>
+      <p:sp>
+        <p:nvSpPr>
+          <p:cNvPr id="3" name="Content Placeholder 2">
+            <a:extLst>
+              <a:ext uri="{FF2B5EF4-FFF2-40B4-BE49-F238E27FC236}">
+                <a16:creationId xmlns:a16="http://schemas.microsoft.com/office/drawing/2014/main" id="{0CB640CA-901F-E3DE-665A-F7BF9BE9FFDD}"/>
+              </a:ext>
+            </a:extLst>
+          </p:cNvPr>
+          <p:cNvSpPr>
+            <a:spLocks noGrp="1"/>
+          </p:cNvSpPr>
+          <p:nvPr>
+            <p:ph idx="1"/>
+          </p:nvPr>
+        </p:nvSpPr>
+        <p:spPr>
+          <a:xfrm>
+            <a:off x="762000" y="3129699"/>
+            <a:ext cx="10972800" cy="2055044"/>
+          </a:xfrm>
+        </p:spPr>
+        <p:txBody>
+          <a:bodyPr>
+            <a:normAutofit/>
+          </a:bodyPr>
+          <a:lstStyle/>
+          <a:p>
+            <a:r>
+              <a:rPr lang="en-US" sz="1800" dirty="0">
+                <a:solidFill>
+                  <a:srgbClr val="000000"/>
+                </a:solidFill>
+                <a:effectLst/>
+                <a:latin typeface="Times New Roman" panose="02020603050405020304" pitchFamily="18" charset="0"/>
+                <a:ea typeface="Cambria" panose="02040503050406030204" pitchFamily="18" charset="0"/>
+                <a:cs typeface="Cambria" panose="02040503050406030204" pitchFamily="18" charset="0"/>
+              </a:rPr>
+              <a:t>Memorizing the order of elements on the periodic table is a common challenge for students of chemistry. </a:t>
+            </a:r>
+          </a:p>
+          <a:p>
+            <a:r>
+              <a:rPr lang="en-US" sz="1800" dirty="0">
+                <a:solidFill>
+                  <a:srgbClr val="000000"/>
+                </a:solidFill>
+                <a:effectLst/>
+                <a:latin typeface="Times New Roman" panose="02020603050405020304" pitchFamily="18" charset="0"/>
+                <a:ea typeface="Cambria" panose="02040503050406030204" pitchFamily="18" charset="0"/>
+                <a:cs typeface="Cambria" panose="02040503050406030204" pitchFamily="18" charset="0"/>
+              </a:rPr>
+              <a:t>Traditional methods are often inconvenient and less effective.</a:t>
+            </a:r>
+          </a:p>
+          <a:p>
+            <a:r>
+              <a:rPr lang="en-US" sz="1800" dirty="0">
+                <a:solidFill>
+                  <a:srgbClr val="000000"/>
+                </a:solidFill>
+                <a:effectLst/>
+                <a:latin typeface="Times New Roman" panose="02020603050405020304" pitchFamily="18" charset="0"/>
+                <a:ea typeface="Cambria" panose="02040503050406030204" pitchFamily="18" charset="0"/>
+                <a:cs typeface="Cambria" panose="02040503050406030204" pitchFamily="18" charset="0"/>
+              </a:rPr>
+              <a:t>This project aims to address this challenge for making education interactive and engaging.</a:t>
+            </a:r>
+          </a:p>
+          <a:p>
+            <a:endParaRPr lang="en-US" sz="1800" dirty="0">
               <a:solidFill>
-                <a:srgbClr val="FF0000"/>
+                <a:srgbClr val="000000"/>
               </a:solidFill>
+              <a:effectLst/>
+              <a:latin typeface="Times New Roman" panose="02020603050405020304" pitchFamily="18" charset="0"/>
+              <a:ea typeface="Cambria" panose="02040503050406030204" pitchFamily="18" charset="0"/>
+              <a:cs typeface="Cambria" panose="02040503050406030204" pitchFamily="18" charset="0"/>
             </a:endParaRPr>
           </a:p>
         </p:txBody>
@@ -5017,7 +5095,7 @@
     </p:spTree>
     <p:extLst>
       <p:ext uri="{BB962C8B-B14F-4D97-AF65-F5344CB8AC3E}">
-        <p14:creationId xmlns:p14="http://schemas.microsoft.com/office/powerpoint/2010/main" val="1544619379"/>
+        <p14:creationId xmlns:p14="http://schemas.microsoft.com/office/powerpoint/2010/main" val="1088994135"/>
       </p:ext>
     </p:extLst>
   </p:cSld>
@@ -5062,8 +5140,8 @@
         </p:nvSpPr>
         <p:spPr>
           <a:xfrm>
-            <a:off x="138546" y="571716"/>
-            <a:ext cx="11843545" cy="4535122"/>
+            <a:off x="827988" y="2531098"/>
+            <a:ext cx="10972800" cy="1143000"/>
           </a:xfrm>
         </p:spPr>
         <p:txBody>
@@ -5082,18 +5160,6 @@
             <a:br>
               <a:rPr lang="en-US" b="1" dirty="0"/>
             </a:br>
-            <a:r>
-              <a:rPr lang="en-US" sz="1800" dirty="0">
-                <a:solidFill>
-                  <a:srgbClr val="000000"/>
-                </a:solidFill>
-                <a:effectLst/>
-                <a:latin typeface="Times New Roman" panose="02020603050405020304" pitchFamily="18" charset="0"/>
-                <a:ea typeface="Cambria" panose="02040503050406030204" pitchFamily="18" charset="0"/>
-                <a:cs typeface="Cambria" panose="02040503050406030204" pitchFamily="18" charset="0"/>
-              </a:rPr>
-              <a:t>Memorizing the order of elements on the periodic table is a common challenge for students of chemistry. Traditional methods often involve rote memorization, which can be tedious and less effective in promoting long-term retention. To address this issue, the "Mendeleev’s Marvel" project will create an interactive game that leverages the power of gamification to make learning the periodic table more engaging and effective.</a:t>
-            </a:r>
             <a:br>
               <a:rPr lang="en-IN" sz="1800" dirty="0">
                 <a:solidFill>
@@ -5106,6 +5172,68 @@
               </a:rPr>
             </a:br>
             <a:endParaRPr lang="en-US" b="1" dirty="0"/>
+          </a:p>
+        </p:txBody>
+      </p:sp>
+      <p:sp>
+        <p:nvSpPr>
+          <p:cNvPr id="3" name="Content Placeholder 2">
+            <a:extLst>
+              <a:ext uri="{FF2B5EF4-FFF2-40B4-BE49-F238E27FC236}">
+                <a16:creationId xmlns:a16="http://schemas.microsoft.com/office/drawing/2014/main" id="{E6B4D1D2-445A-B8CC-FC0A-DA73378FDEFA}"/>
+              </a:ext>
+            </a:extLst>
+          </p:cNvPr>
+          <p:cNvSpPr>
+            <a:spLocks noGrp="1"/>
+          </p:cNvSpPr>
+          <p:nvPr>
+            <p:ph idx="1"/>
+          </p:nvPr>
+        </p:nvSpPr>
+        <p:spPr>
+          <a:xfrm>
+            <a:off x="703868" y="2893245"/>
+            <a:ext cx="10972800" cy="1537353"/>
+          </a:xfrm>
+        </p:spPr>
+        <p:txBody>
+          <a:bodyPr>
+            <a:normAutofit/>
+          </a:bodyPr>
+          <a:lstStyle/>
+          <a:p>
+            <a:pPr marL="0" indent="0" algn="ctr">
+              <a:buNone/>
+            </a:pPr>
+            <a:r>
+              <a:rPr lang="en-IN" sz="1800" dirty="0"/>
+              <a:t>There are no viable sources for </a:t>
+            </a:r>
+            <a:r>
+              <a:rPr lang="en-US" sz="1800" dirty="0">
+                <a:solidFill>
+                  <a:srgbClr val="000000"/>
+                </a:solidFill>
+                <a:effectLst/>
+                <a:latin typeface="Times New Roman" panose="02020603050405020304" pitchFamily="18" charset="0"/>
+                <a:ea typeface="Cambria" panose="02040503050406030204" pitchFamily="18" charset="0"/>
+                <a:cs typeface="Cambria" panose="02040503050406030204" pitchFamily="18" charset="0"/>
+              </a:rPr>
+              <a:t>Memorizing the order of elements on the periodic table and no fun and interactive way for learning the basics </a:t>
+            </a:r>
+            <a:r>
+              <a:rPr lang="en-US" sz="1800" dirty="0">
+                <a:solidFill>
+                  <a:srgbClr val="000000"/>
+                </a:solidFill>
+                <a:latin typeface="Times New Roman" panose="02020603050405020304" pitchFamily="18" charset="0"/>
+                <a:ea typeface="Cambria" panose="02040503050406030204" pitchFamily="18" charset="0"/>
+                <a:cs typeface="Cambria" panose="02040503050406030204" pitchFamily="18" charset="0"/>
+              </a:rPr>
+              <a:t>of chemistry. These cause inconvenience and often times problems for students in early grades. Often times the amalgamation of the problems above cause degradation for chemistry basis and structural knowledge. Gamified learning are often frowned upon and not looked up as a futuristic learning platform.</a:t>
+            </a:r>
+            <a:endParaRPr lang="en-IN" sz="1800" dirty="0"/>
           </a:p>
         </p:txBody>
       </p:sp>
@@ -5151,8 +5279,8 @@
         </p:nvSpPr>
         <p:spPr>
           <a:xfrm>
-            <a:off x="0" y="1122098"/>
-            <a:ext cx="12192000" cy="4613804"/>
+            <a:off x="762000" y="766404"/>
+            <a:ext cx="10972800" cy="1143000"/>
           </a:xfrm>
         </p:spPr>
         <p:txBody>
@@ -5161,25 +5289,29 @@
           </a:bodyPr>
           <a:lstStyle/>
           <a:p>
+            <a:pPr marL="306705" marR="506730" indent="-6350">
+              <a:lnSpc>
+                <a:spcPct val="106000"/>
+              </a:lnSpc>
+              <a:spcAft>
+                <a:spcPts val="2265"/>
+              </a:spcAft>
+            </a:pPr>
             <a:r>
               <a:rPr lang="en-IN" b="1" dirty="0"/>
-              <a:t>Motivation</a:t>
+              <a:t>Objectives</a:t>
             </a:r>
             <a:br>
-              <a:rPr lang="en-IN" b="1" dirty="0"/>
-            </a:br>
-            <a:r>
-              <a:rPr lang="en-US" sz="1800" dirty="0">
+              <a:rPr lang="en-IN" sz="1800" dirty="0">
                 <a:solidFill>
                   <a:srgbClr val="000000"/>
                 </a:solidFill>
                 <a:effectLst/>
-                <a:latin typeface="Times New Roman" panose="02020603050405020304" pitchFamily="18" charset="0"/>
+                <a:latin typeface="Cambria" panose="02040503050406030204" pitchFamily="18" charset="0"/>
                 <a:ea typeface="Cambria" panose="02040503050406030204" pitchFamily="18" charset="0"/>
                 <a:cs typeface="Cambria" panose="02040503050406030204" pitchFamily="18" charset="0"/>
               </a:rPr>
-              <a:t>Mendeleev’s Marvels take us on a journey through the fundamental forces and elements that shape our world. These captivating adventures delve into the awe-inspiring realms of earth, air, fire, and water, revealing their intrinsic beauty and power. Whether it's exploring the serene depths of the ocean, witnessing the mesmerizing dance of flames, feeling the gentle caress of a breeze, or standing in the presence of towering mountains, Mendeleev’s Marvels connect us with the natural world in profound ways. These experiences remind us of our interconnectedness with the environment and the importance of preserving these elemental wonders for future generations to cherish and protect. In this project we are demonstrating a foundation structure and exploring the periodic table with a very interesting and interactive way and making it fun for an amateur to learn of the different aspects of the elements.</a:t>
-            </a:r>
+            </a:br>
             <a:br>
               <a:rPr lang="en-IN" sz="1800" dirty="0">
                 <a:solidFill>
@@ -5195,10 +5327,212 @@
           </a:p>
         </p:txBody>
       </p:sp>
+      <p:sp>
+        <p:nvSpPr>
+          <p:cNvPr id="3" name="Content Placeholder 2">
+            <a:extLst>
+              <a:ext uri="{FF2B5EF4-FFF2-40B4-BE49-F238E27FC236}">
+                <a16:creationId xmlns:a16="http://schemas.microsoft.com/office/drawing/2014/main" id="{30EAF3BC-B9D3-63CB-0A92-A8EEDF47C759}"/>
+              </a:ext>
+            </a:extLst>
+          </p:cNvPr>
+          <p:cNvSpPr>
+            <a:spLocks noGrp="1"/>
+          </p:cNvSpPr>
+          <p:nvPr>
+            <p:ph idx="1"/>
+          </p:nvPr>
+        </p:nvSpPr>
+        <p:spPr/>
+        <p:txBody>
+          <a:bodyPr>
+            <a:normAutofit/>
+          </a:bodyPr>
+          <a:lstStyle/>
+          <a:p>
+            <a:r>
+              <a:rPr lang="en-US" sz="1800" dirty="0">
+                <a:solidFill>
+                  <a:srgbClr val="000000"/>
+                </a:solidFill>
+                <a:effectLst/>
+                <a:latin typeface="Times New Roman" panose="02020603050405020304" pitchFamily="18" charset="0"/>
+                <a:ea typeface="Cambria" panose="02040503050406030204" pitchFamily="18" charset="0"/>
+                <a:cs typeface="Cambria" panose="02040503050406030204" pitchFamily="18" charset="0"/>
+              </a:rPr>
+              <a:t>Develop an Interactive Learning Tool:   </a:t>
+            </a:r>
+          </a:p>
+          <a:p>
+            <a:pPr lvl="1"/>
+            <a:r>
+              <a:rPr lang="en-US" sz="1400" dirty="0">
+                <a:solidFill>
+                  <a:srgbClr val="000000"/>
+                </a:solidFill>
+                <a:effectLst/>
+                <a:latin typeface="Times New Roman" panose="02020603050405020304" pitchFamily="18" charset="0"/>
+                <a:ea typeface="Cambria" panose="02040503050406030204" pitchFamily="18" charset="0"/>
+                <a:cs typeface="Cambria" panose="02040503050406030204" pitchFamily="18" charset="0"/>
+              </a:rPr>
+              <a:t>Create an interactive and engaging educational game that assists users in learning the order of elements on the periodic table.</a:t>
+            </a:r>
+            <a:endParaRPr lang="en-IN" sz="1400" dirty="0">
+              <a:solidFill>
+                <a:srgbClr val="000000"/>
+              </a:solidFill>
+              <a:latin typeface="Cambria" panose="02040503050406030204" pitchFamily="18" charset="0"/>
+              <a:ea typeface="Cambria" panose="02040503050406030204" pitchFamily="18" charset="0"/>
+              <a:cs typeface="Cambria" panose="02040503050406030204" pitchFamily="18" charset="0"/>
+            </a:endParaRPr>
+          </a:p>
+          <a:p>
+            <a:r>
+              <a:rPr lang="en-US" sz="1800" dirty="0">
+                <a:solidFill>
+                  <a:srgbClr val="000000"/>
+                </a:solidFill>
+                <a:effectLst/>
+                <a:latin typeface="Times New Roman" panose="02020603050405020304" pitchFamily="18" charset="0"/>
+                <a:ea typeface="Cambria" panose="02040503050406030204" pitchFamily="18" charset="0"/>
+                <a:cs typeface="Cambria" panose="02040503050406030204" pitchFamily="18" charset="0"/>
+              </a:rPr>
+              <a:t>Promote Gamified Learning:    </a:t>
+            </a:r>
+          </a:p>
+          <a:p>
+            <a:pPr lvl="1"/>
+            <a:r>
+              <a:rPr lang="en-US" sz="1400" dirty="0">
+                <a:solidFill>
+                  <a:srgbClr val="000000"/>
+                </a:solidFill>
+                <a:effectLst/>
+                <a:latin typeface="Times New Roman" panose="02020603050405020304" pitchFamily="18" charset="0"/>
+                <a:ea typeface="Cambria" panose="02040503050406030204" pitchFamily="18" charset="0"/>
+                <a:cs typeface="Cambria" panose="02040503050406030204" pitchFamily="18" charset="0"/>
+              </a:rPr>
+              <a:t> Leverage gamification techniques to make the process of learning element ordering enjoyable, motivating users to actively participate in the learning process.</a:t>
+            </a:r>
+            <a:endParaRPr lang="en-IN" sz="1400" dirty="0">
+              <a:solidFill>
+                <a:srgbClr val="000000"/>
+              </a:solidFill>
+              <a:latin typeface="Cambria" panose="02040503050406030204" pitchFamily="18" charset="0"/>
+              <a:ea typeface="Cambria" panose="02040503050406030204" pitchFamily="18" charset="0"/>
+              <a:cs typeface="Cambria" panose="02040503050406030204" pitchFamily="18" charset="0"/>
+            </a:endParaRPr>
+          </a:p>
+          <a:p>
+            <a:r>
+              <a:rPr lang="en-US" sz="1800" dirty="0">
+                <a:solidFill>
+                  <a:srgbClr val="000000"/>
+                </a:solidFill>
+                <a:effectLst/>
+                <a:latin typeface="Times New Roman" panose="02020603050405020304" pitchFamily="18" charset="0"/>
+                <a:ea typeface="Cambria" panose="02040503050406030204" pitchFamily="18" charset="0"/>
+                <a:cs typeface="Cambria" panose="02040503050406030204" pitchFamily="18" charset="0"/>
+              </a:rPr>
+              <a:t>Enhance Retention and Comprehension:    </a:t>
+            </a:r>
+          </a:p>
+          <a:p>
+            <a:pPr lvl="1"/>
+            <a:r>
+              <a:rPr lang="en-US" sz="1400" dirty="0">
+                <a:solidFill>
+                  <a:srgbClr val="000000"/>
+                </a:solidFill>
+                <a:effectLst/>
+                <a:latin typeface="Times New Roman" panose="02020603050405020304" pitchFamily="18" charset="0"/>
+                <a:ea typeface="Cambria" panose="02040503050406030204" pitchFamily="18" charset="0"/>
+                <a:cs typeface="Cambria" panose="02040503050406030204" pitchFamily="18" charset="0"/>
+              </a:rPr>
+              <a:t>Improve users' retention and comprehension of the periodic table by providing a visual and interactive learning experience that goes beyond traditional rote memorization.</a:t>
+            </a:r>
+            <a:endParaRPr lang="en-IN" sz="1400" dirty="0">
+              <a:solidFill>
+                <a:srgbClr val="000000"/>
+              </a:solidFill>
+              <a:latin typeface="Cambria" panose="02040503050406030204" pitchFamily="18" charset="0"/>
+              <a:ea typeface="Cambria" panose="02040503050406030204" pitchFamily="18" charset="0"/>
+              <a:cs typeface="Cambria" panose="02040503050406030204" pitchFamily="18" charset="0"/>
+            </a:endParaRPr>
+          </a:p>
+          <a:p>
+            <a:r>
+              <a:rPr lang="en-US" sz="1800" dirty="0">
+                <a:solidFill>
+                  <a:srgbClr val="000000"/>
+                </a:solidFill>
+                <a:effectLst/>
+                <a:latin typeface="Times New Roman" panose="02020603050405020304" pitchFamily="18" charset="0"/>
+                <a:ea typeface="Cambria" panose="02040503050406030204" pitchFamily="18" charset="0"/>
+                <a:cs typeface="Cambria" panose="02040503050406030204" pitchFamily="18" charset="0"/>
+              </a:rPr>
+              <a:t>Utilize OpenGL for Graphics:     </a:t>
+            </a:r>
+          </a:p>
+          <a:p>
+            <a:pPr lvl="1"/>
+            <a:r>
+              <a:rPr lang="en-US" sz="1400" dirty="0">
+                <a:solidFill>
+                  <a:srgbClr val="000000"/>
+                </a:solidFill>
+                <a:effectLst/>
+                <a:latin typeface="Times New Roman" panose="02020603050405020304" pitchFamily="18" charset="0"/>
+                <a:ea typeface="Cambria" panose="02040503050406030204" pitchFamily="18" charset="0"/>
+                <a:cs typeface="Cambria" panose="02040503050406030204" pitchFamily="18" charset="0"/>
+              </a:rPr>
+              <a:t> Implement graphics and visuals using OpenGL to create an immersive and visually appealing environment that captures the attention of users.</a:t>
+            </a:r>
+            <a:endParaRPr lang="en-IN" sz="1400" dirty="0">
+              <a:solidFill>
+                <a:srgbClr val="000000"/>
+              </a:solidFill>
+              <a:latin typeface="Cambria" panose="02040503050406030204" pitchFamily="18" charset="0"/>
+              <a:ea typeface="Cambria" panose="02040503050406030204" pitchFamily="18" charset="0"/>
+              <a:cs typeface="Cambria" panose="02040503050406030204" pitchFamily="18" charset="0"/>
+            </a:endParaRPr>
+          </a:p>
+          <a:p>
+            <a:r>
+              <a:rPr lang="en-US" sz="1800" dirty="0">
+                <a:solidFill>
+                  <a:srgbClr val="000000"/>
+                </a:solidFill>
+                <a:effectLst/>
+                <a:latin typeface="Times New Roman" panose="02020603050405020304" pitchFamily="18" charset="0"/>
+                <a:ea typeface="Cambria" panose="02040503050406030204" pitchFamily="18" charset="0"/>
+                <a:cs typeface="Cambria" panose="02040503050406030204" pitchFamily="18" charset="0"/>
+              </a:rPr>
+              <a:t>Efficient Data Structure Usage:      </a:t>
+            </a:r>
+          </a:p>
+          <a:p>
+            <a:pPr lvl="1"/>
+            <a:r>
+              <a:rPr lang="en-US" sz="1400" dirty="0">
+                <a:solidFill>
+                  <a:srgbClr val="000000"/>
+                </a:solidFill>
+                <a:effectLst/>
+                <a:latin typeface="Times New Roman" panose="02020603050405020304" pitchFamily="18" charset="0"/>
+                <a:ea typeface="Cambria" panose="02040503050406030204" pitchFamily="18" charset="0"/>
+                <a:cs typeface="Cambria" panose="02040503050406030204" pitchFamily="18" charset="0"/>
+              </a:rPr>
+              <a:t>Employ efficient data structures to manage and organize the elements of the periodic table, ensuring smooth and optimized gameplay.</a:t>
+            </a:r>
+            <a:endParaRPr lang="en-IN" sz="1400" dirty="0"/>
+          </a:p>
+        </p:txBody>
+      </p:sp>
     </p:spTree>
     <p:extLst>
       <p:ext uri="{BB962C8B-B14F-4D97-AF65-F5344CB8AC3E}">
-        <p14:creationId xmlns:p14="http://schemas.microsoft.com/office/powerpoint/2010/main" val="1088994135"/>
+        <p14:creationId xmlns:p14="http://schemas.microsoft.com/office/powerpoint/2010/main" val="2222943996"/>
       </p:ext>
     </p:extLst>
   </p:cSld>
@@ -5237,8 +5571,8 @@
         </p:nvSpPr>
         <p:spPr>
           <a:xfrm>
-            <a:off x="110835" y="497080"/>
-            <a:ext cx="11923013" cy="6145260"/>
+            <a:off x="707009" y="449590"/>
+            <a:ext cx="10699423" cy="813602"/>
           </a:xfrm>
         </p:spPr>
         <p:txBody>
@@ -5247,32 +5581,13 @@
           </a:bodyPr>
           <a:lstStyle/>
           <a:p>
-            <a:pPr marL="306705" marR="506730" indent="-6350" algn="l">
-              <a:lnSpc>
-                <a:spcPct val="106000"/>
-              </a:lnSpc>
-              <a:spcAft>
-                <a:spcPts val="2265"/>
-              </a:spcAft>
-            </a:pPr>
-            <a:r>
-              <a:rPr lang="en-IN" b="1" dirty="0"/>
-              <a:t>Objectives</a:t>
-            </a:r>
-            <a:br>
-              <a:rPr lang="en-IN" b="1" dirty="0"/>
-            </a:br>
-            <a:r>
-              <a:rPr lang="en-US" sz="1800" dirty="0">
+            <a:r>
+              <a:rPr lang="en-IN" b="1" dirty="0">
                 <a:solidFill>
-                  <a:srgbClr val="000000"/>
+                  <a:schemeClr val="tx1"/>
                 </a:solidFill>
-                <a:effectLst/>
-                <a:latin typeface="Times New Roman" panose="02020603050405020304" pitchFamily="18" charset="0"/>
-                <a:ea typeface="Cambria" panose="02040503050406030204" pitchFamily="18" charset="0"/>
-                <a:cs typeface="Cambria" panose="02040503050406030204" pitchFamily="18" charset="0"/>
               </a:rPr>
-              <a:t>The Mendeleev’s Marvel Project has several key objectives:</a:t>
+              <a:t>Methodology</a:t>
             </a:r>
             <a:br>
               <a:rPr lang="en-IN" sz="1800" dirty="0">
@@ -5285,189 +5600,48 @@
                 <a:cs typeface="Cambria" panose="02040503050406030204" pitchFamily="18" charset="0"/>
               </a:rPr>
             </a:br>
-            <a:r>
-              <a:rPr lang="en-IN" sz="1800" dirty="0">
-                <a:solidFill>
-                  <a:srgbClr val="000000"/>
-                </a:solidFill>
-                <a:effectLst/>
-                <a:latin typeface="Cambria" panose="02040503050406030204" pitchFamily="18" charset="0"/>
-                <a:ea typeface="Cambria" panose="02040503050406030204" pitchFamily="18" charset="0"/>
-                <a:cs typeface="Cambria" panose="02040503050406030204" pitchFamily="18" charset="0"/>
-              </a:rPr>
-              <a:t>1- </a:t>
-            </a:r>
-            <a:r>
-              <a:rPr lang="en-US" sz="1800" dirty="0">
-                <a:solidFill>
-                  <a:srgbClr val="000000"/>
-                </a:solidFill>
-                <a:effectLst/>
-                <a:latin typeface="Times New Roman" panose="02020603050405020304" pitchFamily="18" charset="0"/>
-                <a:ea typeface="Cambria" panose="02040503050406030204" pitchFamily="18" charset="0"/>
-                <a:cs typeface="Cambria" panose="02040503050406030204" pitchFamily="18" charset="0"/>
-              </a:rPr>
-              <a:t>Develop an Interactive Learning Tool: Create an interactive and engaging educational game that assists users in learning the order of elements on the periodic table.</a:t>
-            </a:r>
-            <a:br>
-              <a:rPr lang="en-IN" sz="1800" dirty="0">
-                <a:solidFill>
-                  <a:srgbClr val="000000"/>
-                </a:solidFill>
-                <a:effectLst/>
-                <a:latin typeface="Cambria" panose="02040503050406030204" pitchFamily="18" charset="0"/>
-                <a:ea typeface="Cambria" panose="02040503050406030204" pitchFamily="18" charset="0"/>
-                <a:cs typeface="Cambria" panose="02040503050406030204" pitchFamily="18" charset="0"/>
-              </a:rPr>
-            </a:br>
-            <a:r>
-              <a:rPr lang="en-IN" sz="1800" dirty="0">
-                <a:solidFill>
-                  <a:srgbClr val="000000"/>
-                </a:solidFill>
-                <a:effectLst/>
-                <a:latin typeface="Cambria" panose="02040503050406030204" pitchFamily="18" charset="0"/>
-                <a:ea typeface="Cambria" panose="02040503050406030204" pitchFamily="18" charset="0"/>
-                <a:cs typeface="Cambria" panose="02040503050406030204" pitchFamily="18" charset="0"/>
-              </a:rPr>
-              <a:t>2- </a:t>
-            </a:r>
-            <a:r>
-              <a:rPr lang="en-US" sz="1800" dirty="0">
-                <a:solidFill>
-                  <a:srgbClr val="000000"/>
-                </a:solidFill>
-                <a:effectLst/>
-                <a:latin typeface="Times New Roman" panose="02020603050405020304" pitchFamily="18" charset="0"/>
-                <a:ea typeface="Cambria" panose="02040503050406030204" pitchFamily="18" charset="0"/>
-                <a:cs typeface="Cambria" panose="02040503050406030204" pitchFamily="18" charset="0"/>
-              </a:rPr>
-              <a:t>Promote Gamified Learning: Leverage gamification techniques to make the process of learning element ordering enjoyable, motivating users to actively participate in the learning process.</a:t>
-            </a:r>
-            <a:br>
-              <a:rPr lang="en-IN" sz="1800" dirty="0">
-                <a:solidFill>
-                  <a:srgbClr val="000000"/>
-                </a:solidFill>
-                <a:effectLst/>
-                <a:latin typeface="Cambria" panose="02040503050406030204" pitchFamily="18" charset="0"/>
-                <a:ea typeface="Cambria" panose="02040503050406030204" pitchFamily="18" charset="0"/>
-                <a:cs typeface="Cambria" panose="02040503050406030204" pitchFamily="18" charset="0"/>
-              </a:rPr>
-            </a:br>
-            <a:r>
-              <a:rPr lang="en-IN" sz="1800" dirty="0">
-                <a:solidFill>
-                  <a:srgbClr val="000000"/>
-                </a:solidFill>
-                <a:effectLst/>
-                <a:latin typeface="Cambria" panose="02040503050406030204" pitchFamily="18" charset="0"/>
-                <a:ea typeface="Cambria" panose="02040503050406030204" pitchFamily="18" charset="0"/>
-                <a:cs typeface="Cambria" panose="02040503050406030204" pitchFamily="18" charset="0"/>
-              </a:rPr>
-              <a:t>3- </a:t>
-            </a:r>
-            <a:r>
-              <a:rPr lang="en-US" sz="1800" dirty="0">
-                <a:solidFill>
-                  <a:srgbClr val="000000"/>
-                </a:solidFill>
-                <a:effectLst/>
-                <a:latin typeface="Times New Roman" panose="02020603050405020304" pitchFamily="18" charset="0"/>
-                <a:ea typeface="Cambria" panose="02040503050406030204" pitchFamily="18" charset="0"/>
-                <a:cs typeface="Cambria" panose="02040503050406030204" pitchFamily="18" charset="0"/>
-              </a:rPr>
-              <a:t>Enhance Retention and Comprehension: Improve users' retention and comprehension of the periodic table by providing a visual and interactive learning experience that goes beyond traditional rote memorization.</a:t>
-            </a:r>
-            <a:br>
-              <a:rPr lang="en-IN" sz="1800" dirty="0">
-                <a:solidFill>
-                  <a:srgbClr val="000000"/>
-                </a:solidFill>
-                <a:effectLst/>
-                <a:latin typeface="Cambria" panose="02040503050406030204" pitchFamily="18" charset="0"/>
-                <a:ea typeface="Cambria" panose="02040503050406030204" pitchFamily="18" charset="0"/>
-                <a:cs typeface="Cambria" panose="02040503050406030204" pitchFamily="18" charset="0"/>
-              </a:rPr>
-            </a:br>
-            <a:r>
-              <a:rPr lang="en-IN" sz="1800" dirty="0">
-                <a:solidFill>
-                  <a:srgbClr val="000000"/>
-                </a:solidFill>
-                <a:effectLst/>
-                <a:latin typeface="Cambria" panose="02040503050406030204" pitchFamily="18" charset="0"/>
-                <a:ea typeface="Cambria" panose="02040503050406030204" pitchFamily="18" charset="0"/>
-                <a:cs typeface="Cambria" panose="02040503050406030204" pitchFamily="18" charset="0"/>
-              </a:rPr>
-              <a:t>4- </a:t>
-            </a:r>
-            <a:r>
-              <a:rPr lang="en-US" sz="1800" dirty="0">
-                <a:solidFill>
-                  <a:srgbClr val="000000"/>
-                </a:solidFill>
-                <a:effectLst/>
-                <a:latin typeface="Times New Roman" panose="02020603050405020304" pitchFamily="18" charset="0"/>
-                <a:ea typeface="Cambria" panose="02040503050406030204" pitchFamily="18" charset="0"/>
-                <a:cs typeface="Cambria" panose="02040503050406030204" pitchFamily="18" charset="0"/>
-              </a:rPr>
-              <a:t>Utilize OpenGL for Graphics: Implement graphics and visuals using OpenGL to create an immersive and visually appealing environment that captures the attention of users.</a:t>
-            </a:r>
-            <a:br>
-              <a:rPr lang="en-IN" sz="1800" dirty="0">
-                <a:solidFill>
-                  <a:srgbClr val="000000"/>
-                </a:solidFill>
-                <a:effectLst/>
-                <a:latin typeface="Cambria" panose="02040503050406030204" pitchFamily="18" charset="0"/>
-                <a:ea typeface="Cambria" panose="02040503050406030204" pitchFamily="18" charset="0"/>
-                <a:cs typeface="Cambria" panose="02040503050406030204" pitchFamily="18" charset="0"/>
-              </a:rPr>
-            </a:br>
-            <a:r>
-              <a:rPr lang="en-IN" sz="1800" dirty="0">
-                <a:solidFill>
-                  <a:srgbClr val="000000"/>
-                </a:solidFill>
-                <a:effectLst/>
-                <a:latin typeface="Cambria" panose="02040503050406030204" pitchFamily="18" charset="0"/>
-                <a:ea typeface="Cambria" panose="02040503050406030204" pitchFamily="18" charset="0"/>
-                <a:cs typeface="Cambria" panose="02040503050406030204" pitchFamily="18" charset="0"/>
-              </a:rPr>
-              <a:t>5- </a:t>
-            </a:r>
-            <a:r>
-              <a:rPr lang="en-US" sz="1800" dirty="0">
-                <a:solidFill>
-                  <a:srgbClr val="000000"/>
-                </a:solidFill>
-                <a:effectLst/>
-                <a:latin typeface="Times New Roman" panose="02020603050405020304" pitchFamily="18" charset="0"/>
-                <a:ea typeface="Cambria" panose="02040503050406030204" pitchFamily="18" charset="0"/>
-                <a:cs typeface="Cambria" panose="02040503050406030204" pitchFamily="18" charset="0"/>
-              </a:rPr>
-              <a:t>Efficient Data Structure Usage: Employ efficient data structures to manage and organize the elements of the periodic table, ensuring smooth and optimized gameplay.</a:t>
-            </a:r>
-            <a:br>
-              <a:rPr lang="en-IN" sz="1800" dirty="0">
-                <a:solidFill>
-                  <a:srgbClr val="000000"/>
-                </a:solidFill>
-                <a:effectLst/>
-                <a:latin typeface="Cambria" panose="02040503050406030204" pitchFamily="18" charset="0"/>
-                <a:ea typeface="Cambria" panose="02040503050406030204" pitchFamily="18" charset="0"/>
-                <a:cs typeface="Cambria" panose="02040503050406030204" pitchFamily="18" charset="0"/>
-              </a:rPr>
-            </a:br>
-            <a:endParaRPr lang="en-IN" b="1" dirty="0"/>
+            <a:endParaRPr lang="en-IN" b="1" dirty="0">
+              <a:solidFill>
+                <a:srgbClr val="FF0000"/>
+              </a:solidFill>
+            </a:endParaRPr>
           </a:p>
         </p:txBody>
       </p:sp>
+      <p:pic>
+        <p:nvPicPr>
+          <p:cNvPr id="3" name="Picture 2">
+            <a:extLst>
+              <a:ext uri="{FF2B5EF4-FFF2-40B4-BE49-F238E27FC236}">
+                <a16:creationId xmlns:a16="http://schemas.microsoft.com/office/drawing/2014/main" id="{7F2B0F83-B7BB-8D39-7E87-6A2896922CD1}"/>
+              </a:ext>
+            </a:extLst>
+          </p:cNvPr>
+          <p:cNvPicPr>
+            <a:picLocks noChangeAspect="1"/>
+          </p:cNvPicPr>
+          <p:nvPr/>
+        </p:nvPicPr>
+        <p:blipFill>
+          <a:blip r:embed="rId2"/>
+          <a:stretch>
+            <a:fillRect/>
+          </a:stretch>
+        </p:blipFill>
+        <p:spPr>
+          <a:xfrm>
+            <a:off x="3847432" y="1110915"/>
+            <a:ext cx="4497136" cy="4977599"/>
+          </a:xfrm>
+          <a:prstGeom prst="rect">
+            <a:avLst/>
+          </a:prstGeom>
+        </p:spPr>
+      </p:pic>
     </p:spTree>
     <p:extLst>
       <p:ext uri="{BB962C8B-B14F-4D97-AF65-F5344CB8AC3E}">
-        <p14:creationId xmlns:p14="http://schemas.microsoft.com/office/powerpoint/2010/main" val="2222943996"/>
+        <p14:creationId xmlns:p14="http://schemas.microsoft.com/office/powerpoint/2010/main" val="2490127629"/>
       </p:ext>
     </p:extLst>
   </p:cSld>
@@ -5506,8 +5680,8 @@
         </p:nvSpPr>
         <p:spPr>
           <a:xfrm>
-            <a:off x="707009" y="1118893"/>
-            <a:ext cx="10699423" cy="4620214"/>
+            <a:off x="427919" y="1404594"/>
+            <a:ext cx="11568546" cy="671272"/>
           </a:xfrm>
         </p:spPr>
         <p:txBody>
@@ -5516,48 +5690,399 @@
           </a:bodyPr>
           <a:lstStyle/>
           <a:p>
-            <a:r>
-              <a:rPr lang="en-IN" b="1" dirty="0"/>
-              <a:t>Methodology</a:t>
+            <a:pPr marL="342900" marR="506730" lvl="0" indent="-342900" fontAlgn="base">
+              <a:lnSpc>
+                <a:spcPct val="106000"/>
+              </a:lnSpc>
+              <a:spcAft>
+                <a:spcPts val="885"/>
+              </a:spcAft>
+              <a:buClr>
+                <a:srgbClr val="000000"/>
+              </a:buClr>
+              <a:buSzPts val="1000"/>
+              <a:buFont typeface="Arial" panose="020B0604020202020204" pitchFamily="34" charset="0"/>
+              <a:buChar char="•"/>
+            </a:pPr>
+            <a:r>
+              <a:rPr lang="en-IN" b="1" dirty="0">
+                <a:solidFill>
+                  <a:schemeClr val="tx1"/>
+                </a:solidFill>
+              </a:rPr>
+              <a:t>Experimental Setup</a:t>
             </a:r>
             <a:br>
-              <a:rPr lang="en-IN" b="1" dirty="0"/>
-            </a:br>
-            <a:r>
-              <a:rPr lang="en-US" sz="1800" dirty="0">
+              <a:rPr lang="en-IN" b="1" dirty="0">
                 <a:solidFill>
-                  <a:srgbClr val="000000"/>
+                  <a:schemeClr val="tx1"/>
                 </a:solidFill>
-                <a:effectLst/>
-                <a:latin typeface="Times New Roman" panose="02020603050405020304" pitchFamily="18" charset="0"/>
-                <a:ea typeface="Cambria" panose="02040503050406030204" pitchFamily="18" charset="0"/>
-                <a:cs typeface="Cambria" panose="02040503050406030204" pitchFamily="18" charset="0"/>
-              </a:rPr>
-              <a:t>The project will utilize OpenGL for graphics rendering and data structures for efficient element management. Game development will follow a phased approach, including asset creation, game logic implementation, user interface design, and periodic table data integration. Data structures like arrays or linked lists will be employed to organize and represent elements based on their properties. OpenGL will enable the creation of visually appealing game elements, providing an immersive user experience.</a:t>
-            </a:r>
-            <a:br>
-              <a:rPr lang="en-IN" sz="1800" dirty="0">
-                <a:solidFill>
-                  <a:srgbClr val="000000"/>
-                </a:solidFill>
-                <a:effectLst/>
-                <a:latin typeface="Cambria" panose="02040503050406030204" pitchFamily="18" charset="0"/>
-                <a:ea typeface="Cambria" panose="02040503050406030204" pitchFamily="18" charset="0"/>
-                <a:cs typeface="Cambria" panose="02040503050406030204" pitchFamily="18" charset="0"/>
               </a:rPr>
             </a:br>
-            <a:endParaRPr lang="en-IN" b="1" dirty="0">
+            <a:endParaRPr lang="en-IN" sz="2000" b="1" dirty="0">
               <a:solidFill>
-                <a:srgbClr val="FF0000"/>
+                <a:schemeClr val="tx1"/>
               </a:solidFill>
             </a:endParaRPr>
           </a:p>
         </p:txBody>
       </p:sp>
+      <p:graphicFrame>
+        <p:nvGraphicFramePr>
+          <p:cNvPr id="3" name="Table 2">
+            <a:extLst>
+              <a:ext uri="{FF2B5EF4-FFF2-40B4-BE49-F238E27FC236}">
+                <a16:creationId xmlns:a16="http://schemas.microsoft.com/office/drawing/2014/main" id="{9ED31C9B-BC39-E59D-F65D-820F15A37B0B}"/>
+              </a:ext>
+            </a:extLst>
+          </p:cNvPr>
+          <p:cNvGraphicFramePr>
+            <a:graphicFrameLocks noGrp="1"/>
+          </p:cNvGraphicFramePr>
+          <p:nvPr>
+            <p:extLst>
+              <p:ext uri="{D42A27DB-BD31-4B8C-83A1-F6EECF244321}">
+                <p14:modId xmlns:p14="http://schemas.microsoft.com/office/powerpoint/2010/main" val="2075433076"/>
+              </p:ext>
+            </p:extLst>
+          </p:nvPr>
+        </p:nvGraphicFramePr>
+        <p:xfrm>
+          <a:off x="1884241" y="2227955"/>
+          <a:ext cx="8127999" cy="3413760"/>
+        </p:xfrm>
+        <a:graphic>
+          <a:graphicData uri="http://schemas.openxmlformats.org/drawingml/2006/table">
+            <a:tbl>
+              <a:tblPr firstRow="1" bandRow="1">
+                <a:tableStyleId>{5C22544A-7EE6-4342-B048-85BDC9FD1C3A}</a:tableStyleId>
+              </a:tblPr>
+              <a:tblGrid>
+                <a:gridCol w="2709333">
+                  <a:extLst>
+                    <a:ext uri="{9D8B030D-6E8A-4147-A177-3AD203B41FA5}">
+                      <a16:colId xmlns:a16="http://schemas.microsoft.com/office/drawing/2014/main" val="3379784723"/>
+                    </a:ext>
+                  </a:extLst>
+                </a:gridCol>
+                <a:gridCol w="2709333">
+                  <a:extLst>
+                    <a:ext uri="{9D8B030D-6E8A-4147-A177-3AD203B41FA5}">
+                      <a16:colId xmlns:a16="http://schemas.microsoft.com/office/drawing/2014/main" val="2369711661"/>
+                    </a:ext>
+                  </a:extLst>
+                </a:gridCol>
+                <a:gridCol w="2709333">
+                  <a:extLst>
+                    <a:ext uri="{9D8B030D-6E8A-4147-A177-3AD203B41FA5}">
+                      <a16:colId xmlns:a16="http://schemas.microsoft.com/office/drawing/2014/main" val="2130570345"/>
+                    </a:ext>
+                  </a:extLst>
+                </a:gridCol>
+              </a:tblGrid>
+              <a:tr h="370840">
+                <a:tc>
+                  <a:txBody>
+                    <a:bodyPr/>
+                    <a:lstStyle/>
+                    <a:p>
+                      <a:r>
+                        <a:rPr lang="en-IN" dirty="0"/>
+                        <a:t>No.</a:t>
+                      </a:r>
+                    </a:p>
+                  </a:txBody>
+                  <a:tcPr/>
+                </a:tc>
+                <a:tc>
+                  <a:txBody>
+                    <a:bodyPr/>
+                    <a:lstStyle/>
+                    <a:p>
+                      <a:r>
+                        <a:rPr lang="en-IN" dirty="0"/>
+                        <a:t>Specification</a:t>
+                      </a:r>
+                    </a:p>
+                  </a:txBody>
+                  <a:tcPr/>
+                </a:tc>
+                <a:tc>
+                  <a:txBody>
+                    <a:bodyPr/>
+                    <a:lstStyle/>
+                    <a:p>
+                      <a:endParaRPr lang="en-IN" dirty="0"/>
+                    </a:p>
+                  </a:txBody>
+                  <a:tcPr/>
+                </a:tc>
+                <a:extLst>
+                  <a:ext uri="{0D108BD9-81ED-4DB2-BD59-A6C34878D82A}">
+                    <a16:rowId xmlns:a16="http://schemas.microsoft.com/office/drawing/2014/main" val="505836363"/>
+                  </a:ext>
+                </a:extLst>
+              </a:tr>
+              <a:tr h="370840">
+                <a:tc>
+                  <a:txBody>
+                    <a:bodyPr/>
+                    <a:lstStyle/>
+                    <a:p>
+                      <a:r>
+                        <a:rPr lang="en-IN" dirty="0"/>
+                        <a:t>1</a:t>
+                      </a:r>
+                    </a:p>
+                  </a:txBody>
+                  <a:tcPr/>
+                </a:tc>
+                <a:tc>
+                  <a:txBody>
+                    <a:bodyPr/>
+                    <a:lstStyle/>
+                    <a:p>
+                      <a:r>
+                        <a:rPr lang="en-IN" dirty="0"/>
+                        <a:t>Hardware</a:t>
+                      </a:r>
+                    </a:p>
+                  </a:txBody>
+                  <a:tcPr/>
+                </a:tc>
+                <a:tc>
+                  <a:txBody>
+                    <a:bodyPr/>
+                    <a:lstStyle/>
+                    <a:p>
+                      <a:pPr marL="800089" lvl="1" indent="-342900" algn="l" fontAlgn="base">
+                        <a:buFont typeface="Arial" panose="020B0604020202020204" pitchFamily="34" charset="0"/>
+                        <a:buChar char="•"/>
+                      </a:pPr>
+                      <a:r>
+                        <a:rPr lang="en-US" sz="1200" u="none" strike="noStrike" kern="1200" dirty="0">
+                          <a:solidFill>
+                            <a:schemeClr val="dk1"/>
+                          </a:solidFill>
+                          <a:effectLst/>
+                          <a:latin typeface="+mn-lt"/>
+                          <a:ea typeface="+mn-ea"/>
+                          <a:cs typeface="+mn-cs"/>
+                        </a:rPr>
+                        <a:t>64 bits processor architecture supported by windows.</a:t>
+                      </a:r>
+                      <a:endParaRPr lang="en-IN" sz="1200" u="none" strike="noStrike" kern="1200" dirty="0">
+                        <a:solidFill>
+                          <a:schemeClr val="dk1"/>
+                        </a:solidFill>
+                        <a:effectLst/>
+                        <a:latin typeface="+mn-lt"/>
+                        <a:ea typeface="+mn-ea"/>
+                        <a:cs typeface="+mn-cs"/>
+                      </a:endParaRPr>
+                    </a:p>
+                    <a:p>
+                      <a:pPr marL="800089" lvl="1" indent="-342900" algn="l" fontAlgn="base">
+                        <a:buFont typeface="Arial" panose="020B0604020202020204" pitchFamily="34" charset="0"/>
+                        <a:buChar char="•"/>
+                      </a:pPr>
+                      <a:r>
+                        <a:rPr lang="en-US" sz="1200" u="none" strike="noStrike" kern="1200" dirty="0">
+                          <a:solidFill>
+                            <a:schemeClr val="dk1"/>
+                          </a:solidFill>
+                          <a:effectLst/>
+                          <a:latin typeface="+mn-lt"/>
+                          <a:ea typeface="+mn-ea"/>
+                          <a:cs typeface="+mn-cs"/>
+                        </a:rPr>
+                        <a:t>Minimum RAM requirement for proper functioning is 4 GB.</a:t>
+                      </a:r>
+                      <a:endParaRPr lang="en-IN" sz="1200" u="none" strike="noStrike" kern="1200" dirty="0">
+                        <a:solidFill>
+                          <a:schemeClr val="dk1"/>
+                        </a:solidFill>
+                        <a:effectLst/>
+                        <a:latin typeface="+mn-lt"/>
+                        <a:ea typeface="+mn-ea"/>
+                        <a:cs typeface="+mn-cs"/>
+                      </a:endParaRPr>
+                    </a:p>
+                    <a:p>
+                      <a:pPr marL="800089" lvl="1" indent="-342900" algn="l" fontAlgn="base">
+                        <a:buFont typeface="Arial" panose="020B0604020202020204" pitchFamily="34" charset="0"/>
+                        <a:buChar char="•"/>
+                      </a:pPr>
+                      <a:r>
+                        <a:rPr lang="en-US" sz="1200" u="none" strike="noStrike" kern="1200" dirty="0">
+                          <a:solidFill>
+                            <a:schemeClr val="dk1"/>
+                          </a:solidFill>
+                          <a:effectLst/>
+                          <a:latin typeface="+mn-lt"/>
+                          <a:ea typeface="+mn-ea"/>
+                          <a:cs typeface="+mn-cs"/>
+                        </a:rPr>
+                        <a:t>Required input as well as output devices.</a:t>
+                      </a:r>
+                      <a:endParaRPr lang="en-IN" sz="1200" u="none" strike="noStrike" kern="1200" dirty="0">
+                        <a:solidFill>
+                          <a:schemeClr val="dk1"/>
+                        </a:solidFill>
+                        <a:effectLst/>
+                        <a:latin typeface="+mn-lt"/>
+                        <a:ea typeface="+mn-ea"/>
+                        <a:cs typeface="+mn-cs"/>
+                      </a:endParaRPr>
+                    </a:p>
+                    <a:p>
+                      <a:pPr marL="800089" lvl="1" indent="-342900" algn="l" fontAlgn="base">
+                        <a:buFont typeface="Arial" panose="020B0604020202020204" pitchFamily="34" charset="0"/>
+                        <a:buChar char="•"/>
+                      </a:pPr>
+                      <a:r>
+                        <a:rPr lang="en-US" sz="1200" u="none" strike="noStrike" kern="1200" dirty="0">
+                          <a:solidFill>
+                            <a:schemeClr val="dk1"/>
+                          </a:solidFill>
+                          <a:effectLst/>
+                          <a:latin typeface="+mn-lt"/>
+                          <a:ea typeface="+mn-ea"/>
+                          <a:cs typeface="+mn-cs"/>
+                        </a:rPr>
+                        <a:t>Required sufficient Graphic card for image processing.</a:t>
+                      </a:r>
+                      <a:endParaRPr lang="en-IN" sz="1200" u="none" strike="noStrike" kern="1200" dirty="0">
+                        <a:solidFill>
+                          <a:schemeClr val="dk1"/>
+                        </a:solidFill>
+                        <a:effectLst/>
+                        <a:latin typeface="+mn-lt"/>
+                        <a:ea typeface="+mn-ea"/>
+                        <a:cs typeface="+mn-cs"/>
+                      </a:endParaRPr>
+                    </a:p>
+                    <a:p>
+                      <a:pPr marL="342900" indent="-342900">
+                        <a:buFont typeface="Arial" panose="020B0604020202020204" pitchFamily="34" charset="0"/>
+                        <a:buChar char="•"/>
+                      </a:pPr>
+                      <a:endParaRPr lang="en-IN" sz="1200" dirty="0"/>
+                    </a:p>
+                  </a:txBody>
+                  <a:tcPr/>
+                </a:tc>
+                <a:extLst>
+                  <a:ext uri="{0D108BD9-81ED-4DB2-BD59-A6C34878D82A}">
+                    <a16:rowId xmlns:a16="http://schemas.microsoft.com/office/drawing/2014/main" val="3777974251"/>
+                  </a:ext>
+                </a:extLst>
+              </a:tr>
+              <a:tr h="370840">
+                <a:tc>
+                  <a:txBody>
+                    <a:bodyPr/>
+                    <a:lstStyle/>
+                    <a:p>
+                      <a:r>
+                        <a:rPr lang="en-IN" dirty="0"/>
+                        <a:t>2</a:t>
+                      </a:r>
+                    </a:p>
+                  </a:txBody>
+                  <a:tcPr/>
+                </a:tc>
+                <a:tc>
+                  <a:txBody>
+                    <a:bodyPr/>
+                    <a:lstStyle/>
+                    <a:p>
+                      <a:r>
+                        <a:rPr lang="en-IN" dirty="0"/>
+                        <a:t>Software</a:t>
+                      </a:r>
+                    </a:p>
+                  </a:txBody>
+                  <a:tcPr/>
+                </a:tc>
+                <a:tc>
+                  <a:txBody>
+                    <a:bodyPr/>
+                    <a:lstStyle/>
+                    <a:p>
+                      <a:pPr marL="800089" lvl="1" indent="-342900" fontAlgn="base">
+                        <a:buFont typeface="Arial" panose="020B0604020202020204" pitchFamily="34" charset="0"/>
+                        <a:buChar char="•"/>
+                      </a:pPr>
+                      <a:r>
+                        <a:rPr lang="en-US" sz="1200" u="none" strike="noStrike" kern="1200" dirty="0">
+                          <a:solidFill>
+                            <a:schemeClr val="dk1"/>
+                          </a:solidFill>
+                          <a:effectLst/>
+                          <a:latin typeface="+mn-lt"/>
+                          <a:ea typeface="+mn-ea"/>
+                          <a:cs typeface="+mn-cs"/>
+                        </a:rPr>
+                        <a:t>This system is developed in OpenGL.</a:t>
+                      </a:r>
+                      <a:endParaRPr lang="en-IN" sz="1200" u="none" strike="noStrike" kern="1200" dirty="0">
+                        <a:solidFill>
+                          <a:schemeClr val="dk1"/>
+                        </a:solidFill>
+                        <a:effectLst/>
+                        <a:latin typeface="+mn-lt"/>
+                        <a:ea typeface="+mn-ea"/>
+                        <a:cs typeface="+mn-cs"/>
+                      </a:endParaRPr>
+                    </a:p>
+                    <a:p>
+                      <a:pPr marL="800089" lvl="1" indent="-342900" fontAlgn="base">
+                        <a:buFont typeface="Arial" panose="020B0604020202020204" pitchFamily="34" charset="0"/>
+                        <a:buChar char="•"/>
+                      </a:pPr>
+                      <a:r>
+                        <a:rPr lang="en-US" sz="1200" u="none" strike="noStrike" kern="1200" dirty="0">
+                          <a:solidFill>
+                            <a:schemeClr val="dk1"/>
+                          </a:solidFill>
+                          <a:effectLst/>
+                          <a:latin typeface="+mn-lt"/>
+                          <a:ea typeface="+mn-ea"/>
+                          <a:cs typeface="+mn-cs"/>
+                        </a:rPr>
+                        <a:t> C++ compiler.</a:t>
+                      </a:r>
+                      <a:endParaRPr lang="en-IN" sz="1200" u="none" strike="noStrike" kern="1200" dirty="0">
+                        <a:solidFill>
+                          <a:schemeClr val="dk1"/>
+                        </a:solidFill>
+                        <a:effectLst/>
+                        <a:latin typeface="+mn-lt"/>
+                        <a:ea typeface="+mn-ea"/>
+                        <a:cs typeface="+mn-cs"/>
+                      </a:endParaRPr>
+                    </a:p>
+                    <a:p>
+                      <a:endParaRPr lang="en-IN" dirty="0"/>
+                    </a:p>
+                  </a:txBody>
+                  <a:tcPr/>
+                </a:tc>
+                <a:extLst>
+                  <a:ext uri="{0D108BD9-81ED-4DB2-BD59-A6C34878D82A}">
+                    <a16:rowId xmlns:a16="http://schemas.microsoft.com/office/drawing/2014/main" val="1131737928"/>
+                  </a:ext>
+                </a:extLst>
+              </a:tr>
+            </a:tbl>
+          </a:graphicData>
+        </a:graphic>
+      </p:graphicFrame>
     </p:spTree>
     <p:extLst>
       <p:ext uri="{BB962C8B-B14F-4D97-AF65-F5344CB8AC3E}">
-        <p14:creationId xmlns:p14="http://schemas.microsoft.com/office/powerpoint/2010/main" val="2490127629"/>
+        <p14:creationId xmlns:p14="http://schemas.microsoft.com/office/powerpoint/2010/main" val="3628517266"/>
       </p:ext>
     </p:extLst>
   </p:cSld>
